--- a/logos/HeliumBot.pptx
+++ b/logos/HeliumBot.pptx
@@ -2,18 +2,18 @@
 <file path=ppt/presentation.xml><?xml version="1.0" encoding="utf-8"?>
 <p:presentation xmlns:a="http://schemas.openxmlformats.org/drawingml/2006/main" xmlns:r="http://schemas.openxmlformats.org/officeDocument/2006/relationships" xmlns:p="http://schemas.openxmlformats.org/presentationml/2006/main" saveSubsetFonts="1">
   <p:sldMasterIdLst>
-    <p:sldMasterId id="2147483648" r:id="rId1"/>
+    <p:sldMasterId id="2147483672" r:id="rId1"/>
   </p:sldMasterIdLst>
   <p:sldIdLst>
     <p:sldId id="256" r:id="rId2"/>
   </p:sldIdLst>
-  <p:sldSz cx="12192000" cy="6858000"/>
+  <p:sldSz cx="10691813" cy="6840538"/>
   <p:notesSz cx="6858000" cy="9144000"/>
   <p:defaultTextStyle>
     <a:defPPr>
-      <a:defRPr lang="de-DE"/>
+      <a:defRPr lang="en-US"/>
     </a:defPPr>
-    <a:lvl1pPr marL="0" algn="l" defTabSz="914400" rtl="0" eaLnBrk="1" latinLnBrk="0" hangingPunct="1">
+    <a:lvl1pPr marL="0" algn="l" defTabSz="457200" rtl="0" eaLnBrk="1" latinLnBrk="0" hangingPunct="1">
       <a:defRPr sz="1800" kern="1200">
         <a:solidFill>
           <a:schemeClr val="tx1"/>
@@ -23,7 +23,7 @@
         <a:cs typeface="+mn-cs"/>
       </a:defRPr>
     </a:lvl1pPr>
-    <a:lvl2pPr marL="457200" algn="l" defTabSz="914400" rtl="0" eaLnBrk="1" latinLnBrk="0" hangingPunct="1">
+    <a:lvl2pPr marL="457200" algn="l" defTabSz="457200" rtl="0" eaLnBrk="1" latinLnBrk="0" hangingPunct="1">
       <a:defRPr sz="1800" kern="1200">
         <a:solidFill>
           <a:schemeClr val="tx1"/>
@@ -33,7 +33,7 @@
         <a:cs typeface="+mn-cs"/>
       </a:defRPr>
     </a:lvl2pPr>
-    <a:lvl3pPr marL="914400" algn="l" defTabSz="914400" rtl="0" eaLnBrk="1" latinLnBrk="0" hangingPunct="1">
+    <a:lvl3pPr marL="914400" algn="l" defTabSz="457200" rtl="0" eaLnBrk="1" latinLnBrk="0" hangingPunct="1">
       <a:defRPr sz="1800" kern="1200">
         <a:solidFill>
           <a:schemeClr val="tx1"/>
@@ -43,7 +43,7 @@
         <a:cs typeface="+mn-cs"/>
       </a:defRPr>
     </a:lvl3pPr>
-    <a:lvl4pPr marL="1371600" algn="l" defTabSz="914400" rtl="0" eaLnBrk="1" latinLnBrk="0" hangingPunct="1">
+    <a:lvl4pPr marL="1371600" algn="l" defTabSz="457200" rtl="0" eaLnBrk="1" latinLnBrk="0" hangingPunct="1">
       <a:defRPr sz="1800" kern="1200">
         <a:solidFill>
           <a:schemeClr val="tx1"/>
@@ -53,7 +53,7 @@
         <a:cs typeface="+mn-cs"/>
       </a:defRPr>
     </a:lvl4pPr>
-    <a:lvl5pPr marL="1828800" algn="l" defTabSz="914400" rtl="0" eaLnBrk="1" latinLnBrk="0" hangingPunct="1">
+    <a:lvl5pPr marL="1828800" algn="l" defTabSz="457200" rtl="0" eaLnBrk="1" latinLnBrk="0" hangingPunct="1">
       <a:defRPr sz="1800" kern="1200">
         <a:solidFill>
           <a:schemeClr val="tx1"/>
@@ -63,7 +63,7 @@
         <a:cs typeface="+mn-cs"/>
       </a:defRPr>
     </a:lvl5pPr>
-    <a:lvl6pPr marL="2286000" algn="l" defTabSz="914400" rtl="0" eaLnBrk="1" latinLnBrk="0" hangingPunct="1">
+    <a:lvl6pPr marL="2286000" algn="l" defTabSz="457200" rtl="0" eaLnBrk="1" latinLnBrk="0" hangingPunct="1">
       <a:defRPr sz="1800" kern="1200">
         <a:solidFill>
           <a:schemeClr val="tx1"/>
@@ -73,7 +73,7 @@
         <a:cs typeface="+mn-cs"/>
       </a:defRPr>
     </a:lvl6pPr>
-    <a:lvl7pPr marL="2743200" algn="l" defTabSz="914400" rtl="0" eaLnBrk="1" latinLnBrk="0" hangingPunct="1">
+    <a:lvl7pPr marL="2743200" algn="l" defTabSz="457200" rtl="0" eaLnBrk="1" latinLnBrk="0" hangingPunct="1">
       <a:defRPr sz="1800" kern="1200">
         <a:solidFill>
           <a:schemeClr val="tx1"/>
@@ -83,7 +83,7 @@
         <a:cs typeface="+mn-cs"/>
       </a:defRPr>
     </a:lvl7pPr>
-    <a:lvl8pPr marL="3200400" algn="l" defTabSz="914400" rtl="0" eaLnBrk="1" latinLnBrk="0" hangingPunct="1">
+    <a:lvl8pPr marL="3200400" algn="l" defTabSz="457200" rtl="0" eaLnBrk="1" latinLnBrk="0" hangingPunct="1">
       <a:defRPr sz="1800" kern="1200">
         <a:solidFill>
           <a:schemeClr val="tx1"/>
@@ -93,7 +93,7 @@
         <a:cs typeface="+mn-cs"/>
       </a:defRPr>
     </a:lvl8pPr>
-    <a:lvl9pPr marL="3657600" algn="l" defTabSz="914400" rtl="0" eaLnBrk="1" latinLnBrk="0" hangingPunct="1">
+    <a:lvl9pPr marL="3657600" algn="l" defTabSz="457200" rtl="0" eaLnBrk="1" latinLnBrk="0" hangingPunct="1">
       <a:defRPr sz="1800" kern="1200">
         <a:solidFill>
           <a:schemeClr val="tx1"/>
@@ -131,13 +131,7 @@
       </p:grpSpPr>
       <p:sp>
         <p:nvSpPr>
-          <p:cNvPr id="2" name="Titel 1">
-            <a:extLst>
-              <a:ext uri="{FF2B5EF4-FFF2-40B4-BE49-F238E27FC236}">
-                <a16:creationId xmlns:a16="http://schemas.microsoft.com/office/drawing/2014/main" id="{EE95D845-9ED1-4C34-A61F-EF39BF72E33A}"/>
-              </a:ext>
-            </a:extLst>
-          </p:cNvPr>
+          <p:cNvPr id="2" name="Title 1"/>
           <p:cNvSpPr>
             <a:spLocks noGrp="1"/>
           </p:cNvSpPr>
@@ -147,15 +141,15 @@
         </p:nvSpPr>
         <p:spPr>
           <a:xfrm>
-            <a:off x="1524000" y="1122363"/>
-            <a:ext cx="9144000" cy="2387600"/>
+            <a:off x="1336477" y="1119505"/>
+            <a:ext cx="8018860" cy="2381521"/>
           </a:xfrm>
         </p:spPr>
         <p:txBody>
           <a:bodyPr anchor="b"/>
           <a:lstStyle>
             <a:lvl1pPr algn="ctr">
-              <a:defRPr sz="6000"/>
+              <a:defRPr sz="5262"/>
             </a:lvl1pPr>
           </a:lstStyle>
           <a:p>
@@ -163,18 +157,13 @@
               <a:rPr lang="de-DE"/>
               <a:t>Mastertitelformat bearbeiten</a:t>
             </a:r>
-          </a:p>
-        </p:txBody>
-      </p:sp>
-      <p:sp>
-        <p:nvSpPr>
-          <p:cNvPr id="3" name="Untertitel 2">
-            <a:extLst>
-              <a:ext uri="{FF2B5EF4-FFF2-40B4-BE49-F238E27FC236}">
-                <a16:creationId xmlns:a16="http://schemas.microsoft.com/office/drawing/2014/main" id="{225A188A-15D8-4DC1-B1C9-8EF9E2889FC2}"/>
-              </a:ext>
-            </a:extLst>
-          </p:cNvPr>
+            <a:endParaRPr lang="en-US" dirty="0"/>
+          </a:p>
+        </p:txBody>
+      </p:sp>
+      <p:sp>
+        <p:nvSpPr>
+          <p:cNvPr id="3" name="Subtitle 2"/>
           <p:cNvSpPr>
             <a:spLocks noGrp="1"/>
           </p:cNvSpPr>
@@ -184,8 +173,8 @@
         </p:nvSpPr>
         <p:spPr>
           <a:xfrm>
-            <a:off x="1524000" y="3602038"/>
-            <a:ext cx="9144000" cy="1655762"/>
+            <a:off x="1336477" y="3592866"/>
+            <a:ext cx="8018860" cy="1651546"/>
           </a:xfrm>
         </p:spPr>
         <p:txBody>
@@ -193,39 +182,39 @@
           <a:lstStyle>
             <a:lvl1pPr marL="0" indent="0" algn="ctr">
               <a:buNone/>
-              <a:defRPr sz="2400"/>
+              <a:defRPr sz="2105"/>
             </a:lvl1pPr>
-            <a:lvl2pPr marL="457200" indent="0" algn="ctr">
-              <a:buNone/>
-              <a:defRPr sz="2000"/>
+            <a:lvl2pPr marL="400964" indent="0" algn="ctr">
+              <a:buNone/>
+              <a:defRPr sz="1754"/>
             </a:lvl2pPr>
-            <a:lvl3pPr marL="914400" indent="0" algn="ctr">
-              <a:buNone/>
-              <a:defRPr sz="1800"/>
+            <a:lvl3pPr marL="801929" indent="0" algn="ctr">
+              <a:buNone/>
+              <a:defRPr sz="1579"/>
             </a:lvl3pPr>
-            <a:lvl4pPr marL="1371600" indent="0" algn="ctr">
-              <a:buNone/>
-              <a:defRPr sz="1600"/>
+            <a:lvl4pPr marL="1202893" indent="0" algn="ctr">
+              <a:buNone/>
+              <a:defRPr sz="1403"/>
             </a:lvl4pPr>
-            <a:lvl5pPr marL="1828800" indent="0" algn="ctr">
-              <a:buNone/>
-              <a:defRPr sz="1600"/>
+            <a:lvl5pPr marL="1603858" indent="0" algn="ctr">
+              <a:buNone/>
+              <a:defRPr sz="1403"/>
             </a:lvl5pPr>
-            <a:lvl6pPr marL="2286000" indent="0" algn="ctr">
-              <a:buNone/>
-              <a:defRPr sz="1600"/>
+            <a:lvl6pPr marL="2004822" indent="0" algn="ctr">
+              <a:buNone/>
+              <a:defRPr sz="1403"/>
             </a:lvl6pPr>
-            <a:lvl7pPr marL="2743200" indent="0" algn="ctr">
-              <a:buNone/>
-              <a:defRPr sz="1600"/>
+            <a:lvl7pPr marL="2405786" indent="0" algn="ctr">
+              <a:buNone/>
+              <a:defRPr sz="1403"/>
             </a:lvl7pPr>
-            <a:lvl8pPr marL="3200400" indent="0" algn="ctr">
-              <a:buNone/>
-              <a:defRPr sz="1600"/>
+            <a:lvl8pPr marL="2806751" indent="0" algn="ctr">
+              <a:buNone/>
+              <a:defRPr sz="1403"/>
             </a:lvl8pPr>
-            <a:lvl9pPr marL="3657600" indent="0" algn="ctr">
-              <a:buNone/>
-              <a:defRPr sz="1600"/>
+            <a:lvl9pPr marL="3207715" indent="0" algn="ctr">
+              <a:buNone/>
+              <a:defRPr sz="1403"/>
             </a:lvl9pPr>
           </a:lstStyle>
           <a:p>
@@ -233,18 +222,13 @@
               <a:rPr lang="de-DE"/>
               <a:t>Master-Untertitelformat bearbeiten</a:t>
             </a:r>
-          </a:p>
-        </p:txBody>
-      </p:sp>
-      <p:sp>
-        <p:nvSpPr>
-          <p:cNvPr id="4" name="Datumsplatzhalter 3">
-            <a:extLst>
-              <a:ext uri="{FF2B5EF4-FFF2-40B4-BE49-F238E27FC236}">
-                <a16:creationId xmlns:a16="http://schemas.microsoft.com/office/drawing/2014/main" id="{5CA20B4B-6ED3-44D2-B2AB-EE05E7031708}"/>
-              </a:ext>
-            </a:extLst>
-          </p:cNvPr>
+            <a:endParaRPr lang="en-US" dirty="0"/>
+          </a:p>
+        </p:txBody>
+      </p:sp>
+      <p:sp>
+        <p:nvSpPr>
+          <p:cNvPr id="4" name="Date Placeholder 3"/>
           <p:cNvSpPr>
             <a:spLocks noGrp="1"/>
           </p:cNvSpPr>
@@ -267,13 +251,7 @@
       </p:sp>
       <p:sp>
         <p:nvSpPr>
-          <p:cNvPr id="5" name="Fußzeilenplatzhalter 4">
-            <a:extLst>
-              <a:ext uri="{FF2B5EF4-FFF2-40B4-BE49-F238E27FC236}">
-                <a16:creationId xmlns:a16="http://schemas.microsoft.com/office/drawing/2014/main" id="{097BC56C-83D4-413D-B863-A2F3BC055A98}"/>
-              </a:ext>
-            </a:extLst>
-          </p:cNvPr>
+          <p:cNvPr id="5" name="Footer Placeholder 4"/>
           <p:cNvSpPr>
             <a:spLocks noGrp="1"/>
           </p:cNvSpPr>
@@ -292,13 +270,7 @@
       </p:sp>
       <p:sp>
         <p:nvSpPr>
-          <p:cNvPr id="6" name="Foliennummernplatzhalter 5">
-            <a:extLst>
-              <a:ext uri="{FF2B5EF4-FFF2-40B4-BE49-F238E27FC236}">
-                <a16:creationId xmlns:a16="http://schemas.microsoft.com/office/drawing/2014/main" id="{973AD206-9155-42C6-A84F-7739F6A00B53}"/>
-              </a:ext>
-            </a:extLst>
-          </p:cNvPr>
+          <p:cNvPr id="6" name="Slide Number Placeholder 5"/>
           <p:cNvSpPr>
             <a:spLocks noGrp="1"/>
           </p:cNvSpPr>
@@ -322,7 +294,7 @@
     </p:spTree>
     <p:extLst>
       <p:ext uri="{BB962C8B-B14F-4D97-AF65-F5344CB8AC3E}">
-        <p14:creationId xmlns:p14="http://schemas.microsoft.com/office/powerpoint/2010/main" val="68407611"/>
+        <p14:creationId xmlns:p14="http://schemas.microsoft.com/office/powerpoint/2010/main" val="2138930488"/>
       </p:ext>
     </p:extLst>
   </p:cSld>
@@ -351,13 +323,7 @@
       </p:grpSpPr>
       <p:sp>
         <p:nvSpPr>
-          <p:cNvPr id="2" name="Titel 1">
-            <a:extLst>
-              <a:ext uri="{FF2B5EF4-FFF2-40B4-BE49-F238E27FC236}">
-                <a16:creationId xmlns:a16="http://schemas.microsoft.com/office/drawing/2014/main" id="{64404859-D187-4117-98E6-63763034BA1F}"/>
-              </a:ext>
-            </a:extLst>
-          </p:cNvPr>
+          <p:cNvPr id="2" name="Title 1"/>
           <p:cNvSpPr>
             <a:spLocks noGrp="1"/>
           </p:cNvSpPr>
@@ -374,18 +340,13 @@
               <a:rPr lang="de-DE"/>
               <a:t>Mastertitelformat bearbeiten</a:t>
             </a:r>
-          </a:p>
-        </p:txBody>
-      </p:sp>
-      <p:sp>
-        <p:nvSpPr>
-          <p:cNvPr id="3" name="Vertikaler Textplatzhalter 2">
-            <a:extLst>
-              <a:ext uri="{FF2B5EF4-FFF2-40B4-BE49-F238E27FC236}">
-                <a16:creationId xmlns:a16="http://schemas.microsoft.com/office/drawing/2014/main" id="{A54020AC-385E-4402-B906-2029FBC429F2}"/>
-              </a:ext>
-            </a:extLst>
-          </p:cNvPr>
+            <a:endParaRPr lang="en-US" dirty="0"/>
+          </a:p>
+        </p:txBody>
+      </p:sp>
+      <p:sp>
+        <p:nvSpPr>
+          <p:cNvPr id="3" name="Vertical Text Placeholder 2"/>
           <p:cNvSpPr>
             <a:spLocks noGrp="1"/>
           </p:cNvSpPr>
@@ -431,18 +392,13 @@
               <a:rPr lang="de-DE"/>
               <a:t>Fünfte Ebene</a:t>
             </a:r>
-          </a:p>
-        </p:txBody>
-      </p:sp>
-      <p:sp>
-        <p:nvSpPr>
-          <p:cNvPr id="4" name="Datumsplatzhalter 3">
-            <a:extLst>
-              <a:ext uri="{FF2B5EF4-FFF2-40B4-BE49-F238E27FC236}">
-                <a16:creationId xmlns:a16="http://schemas.microsoft.com/office/drawing/2014/main" id="{74DD8D73-AA2B-45E3-9ECA-081C12557928}"/>
-              </a:ext>
-            </a:extLst>
-          </p:cNvPr>
+            <a:endParaRPr lang="en-US" dirty="0"/>
+          </a:p>
+        </p:txBody>
+      </p:sp>
+      <p:sp>
+        <p:nvSpPr>
+          <p:cNvPr id="4" name="Date Placeholder 3"/>
           <p:cNvSpPr>
             <a:spLocks noGrp="1"/>
           </p:cNvSpPr>
@@ -465,13 +421,7 @@
       </p:sp>
       <p:sp>
         <p:nvSpPr>
-          <p:cNvPr id="5" name="Fußzeilenplatzhalter 4">
-            <a:extLst>
-              <a:ext uri="{FF2B5EF4-FFF2-40B4-BE49-F238E27FC236}">
-                <a16:creationId xmlns:a16="http://schemas.microsoft.com/office/drawing/2014/main" id="{77B9DD04-F3E3-4C4E-929C-9C9D8D1B733C}"/>
-              </a:ext>
-            </a:extLst>
-          </p:cNvPr>
+          <p:cNvPr id="5" name="Footer Placeholder 4"/>
           <p:cNvSpPr>
             <a:spLocks noGrp="1"/>
           </p:cNvSpPr>
@@ -490,13 +440,7 @@
       </p:sp>
       <p:sp>
         <p:nvSpPr>
-          <p:cNvPr id="6" name="Foliennummernplatzhalter 5">
-            <a:extLst>
-              <a:ext uri="{FF2B5EF4-FFF2-40B4-BE49-F238E27FC236}">
-                <a16:creationId xmlns:a16="http://schemas.microsoft.com/office/drawing/2014/main" id="{4EC91AD4-F83C-456C-A10A-5FF5024A2100}"/>
-              </a:ext>
-            </a:extLst>
-          </p:cNvPr>
+          <p:cNvPr id="6" name="Slide Number Placeholder 5"/>
           <p:cNvSpPr>
             <a:spLocks noGrp="1"/>
           </p:cNvSpPr>
@@ -520,7 +464,7 @@
     </p:spTree>
     <p:extLst>
       <p:ext uri="{BB962C8B-B14F-4D97-AF65-F5344CB8AC3E}">
-        <p14:creationId xmlns:p14="http://schemas.microsoft.com/office/powerpoint/2010/main" val="3801111875"/>
+        <p14:creationId xmlns:p14="http://schemas.microsoft.com/office/powerpoint/2010/main" val="1963148666"/>
       </p:ext>
     </p:extLst>
   </p:cSld>
@@ -549,13 +493,7 @@
       </p:grpSpPr>
       <p:sp>
         <p:nvSpPr>
-          <p:cNvPr id="2" name="Vertikaler Titel 1">
-            <a:extLst>
-              <a:ext uri="{FF2B5EF4-FFF2-40B4-BE49-F238E27FC236}">
-                <a16:creationId xmlns:a16="http://schemas.microsoft.com/office/drawing/2014/main" id="{05DA68E1-609C-456A-8762-9BBEC6AB7780}"/>
-              </a:ext>
-            </a:extLst>
-          </p:cNvPr>
+          <p:cNvPr id="2" name="Vertical Title 1"/>
           <p:cNvSpPr>
             <a:spLocks noGrp="1"/>
           </p:cNvSpPr>
@@ -565,8 +503,8 @@
         </p:nvSpPr>
         <p:spPr>
           <a:xfrm>
-            <a:off x="8724900" y="365125"/>
-            <a:ext cx="2628900" cy="5811838"/>
+            <a:off x="7651329" y="364195"/>
+            <a:ext cx="2305422" cy="5797040"/>
           </a:xfrm>
         </p:spPr>
         <p:txBody>
@@ -577,18 +515,13 @@
               <a:rPr lang="de-DE"/>
               <a:t>Mastertitelformat bearbeiten</a:t>
             </a:r>
-          </a:p>
-        </p:txBody>
-      </p:sp>
-      <p:sp>
-        <p:nvSpPr>
-          <p:cNvPr id="3" name="Vertikaler Textplatzhalter 2">
-            <a:extLst>
-              <a:ext uri="{FF2B5EF4-FFF2-40B4-BE49-F238E27FC236}">
-                <a16:creationId xmlns:a16="http://schemas.microsoft.com/office/drawing/2014/main" id="{728B0177-5DA7-41CC-B767-9DDB9BE899A1}"/>
-              </a:ext>
-            </a:extLst>
-          </p:cNvPr>
+            <a:endParaRPr lang="en-US" dirty="0"/>
+          </a:p>
+        </p:txBody>
+      </p:sp>
+      <p:sp>
+        <p:nvSpPr>
+          <p:cNvPr id="3" name="Vertical Text Placeholder 2"/>
           <p:cNvSpPr>
             <a:spLocks noGrp="1"/>
           </p:cNvSpPr>
@@ -598,8 +531,8 @@
         </p:nvSpPr>
         <p:spPr>
           <a:xfrm>
-            <a:off x="838200" y="365125"/>
-            <a:ext cx="7734300" cy="5811838"/>
+            <a:off x="735062" y="364195"/>
+            <a:ext cx="6782619" cy="5797040"/>
           </a:xfrm>
         </p:spPr>
         <p:txBody>
@@ -639,18 +572,13 @@
               <a:rPr lang="de-DE"/>
               <a:t>Fünfte Ebene</a:t>
             </a:r>
-          </a:p>
-        </p:txBody>
-      </p:sp>
-      <p:sp>
-        <p:nvSpPr>
-          <p:cNvPr id="4" name="Datumsplatzhalter 3">
-            <a:extLst>
-              <a:ext uri="{FF2B5EF4-FFF2-40B4-BE49-F238E27FC236}">
-                <a16:creationId xmlns:a16="http://schemas.microsoft.com/office/drawing/2014/main" id="{3251AF7D-138A-4D64-B247-EE71636CFEAD}"/>
-              </a:ext>
-            </a:extLst>
-          </p:cNvPr>
+            <a:endParaRPr lang="en-US" dirty="0"/>
+          </a:p>
+        </p:txBody>
+      </p:sp>
+      <p:sp>
+        <p:nvSpPr>
+          <p:cNvPr id="4" name="Date Placeholder 3"/>
           <p:cNvSpPr>
             <a:spLocks noGrp="1"/>
           </p:cNvSpPr>
@@ -673,13 +601,7 @@
       </p:sp>
       <p:sp>
         <p:nvSpPr>
-          <p:cNvPr id="5" name="Fußzeilenplatzhalter 4">
-            <a:extLst>
-              <a:ext uri="{FF2B5EF4-FFF2-40B4-BE49-F238E27FC236}">
-                <a16:creationId xmlns:a16="http://schemas.microsoft.com/office/drawing/2014/main" id="{2F93B836-8377-4E20-A3DC-23DF6E8D8F85}"/>
-              </a:ext>
-            </a:extLst>
-          </p:cNvPr>
+          <p:cNvPr id="5" name="Footer Placeholder 4"/>
           <p:cNvSpPr>
             <a:spLocks noGrp="1"/>
           </p:cNvSpPr>
@@ -698,13 +620,7 @@
       </p:sp>
       <p:sp>
         <p:nvSpPr>
-          <p:cNvPr id="6" name="Foliennummernplatzhalter 5">
-            <a:extLst>
-              <a:ext uri="{FF2B5EF4-FFF2-40B4-BE49-F238E27FC236}">
-                <a16:creationId xmlns:a16="http://schemas.microsoft.com/office/drawing/2014/main" id="{73EC52D4-2317-4CC5-B4C0-1F84CE5AC477}"/>
-              </a:ext>
-            </a:extLst>
-          </p:cNvPr>
+          <p:cNvPr id="6" name="Slide Number Placeholder 5"/>
           <p:cNvSpPr>
             <a:spLocks noGrp="1"/>
           </p:cNvSpPr>
@@ -728,7 +644,7 @@
     </p:spTree>
     <p:extLst>
       <p:ext uri="{BB962C8B-B14F-4D97-AF65-F5344CB8AC3E}">
-        <p14:creationId xmlns:p14="http://schemas.microsoft.com/office/powerpoint/2010/main" val="1789945323"/>
+        <p14:creationId xmlns:p14="http://schemas.microsoft.com/office/powerpoint/2010/main" val="1122026796"/>
       </p:ext>
     </p:extLst>
   </p:cSld>
@@ -757,13 +673,7 @@
       </p:grpSpPr>
       <p:sp>
         <p:nvSpPr>
-          <p:cNvPr id="2" name="Titel 1">
-            <a:extLst>
-              <a:ext uri="{FF2B5EF4-FFF2-40B4-BE49-F238E27FC236}">
-                <a16:creationId xmlns:a16="http://schemas.microsoft.com/office/drawing/2014/main" id="{62766279-A0A4-4454-8A34-B98E80B3D96D}"/>
-              </a:ext>
-            </a:extLst>
-          </p:cNvPr>
+          <p:cNvPr id="2" name="Title 1"/>
           <p:cNvSpPr>
             <a:spLocks noGrp="1"/>
           </p:cNvSpPr>
@@ -780,18 +690,13 @@
               <a:rPr lang="de-DE"/>
               <a:t>Mastertitelformat bearbeiten</a:t>
             </a:r>
-          </a:p>
-        </p:txBody>
-      </p:sp>
-      <p:sp>
-        <p:nvSpPr>
-          <p:cNvPr id="3" name="Inhaltsplatzhalter 2">
-            <a:extLst>
-              <a:ext uri="{FF2B5EF4-FFF2-40B4-BE49-F238E27FC236}">
-                <a16:creationId xmlns:a16="http://schemas.microsoft.com/office/drawing/2014/main" id="{EE8E91F0-2908-492B-96C1-200FCAA8418E}"/>
-              </a:ext>
-            </a:extLst>
-          </p:cNvPr>
+            <a:endParaRPr lang="en-US" dirty="0"/>
+          </a:p>
+        </p:txBody>
+      </p:sp>
+      <p:sp>
+        <p:nvSpPr>
+          <p:cNvPr id="3" name="Content Placeholder 2"/>
           <p:cNvSpPr>
             <a:spLocks noGrp="1"/>
           </p:cNvSpPr>
@@ -837,18 +742,13 @@
               <a:rPr lang="de-DE"/>
               <a:t>Fünfte Ebene</a:t>
             </a:r>
-          </a:p>
-        </p:txBody>
-      </p:sp>
-      <p:sp>
-        <p:nvSpPr>
-          <p:cNvPr id="4" name="Datumsplatzhalter 3">
-            <a:extLst>
-              <a:ext uri="{FF2B5EF4-FFF2-40B4-BE49-F238E27FC236}">
-                <a16:creationId xmlns:a16="http://schemas.microsoft.com/office/drawing/2014/main" id="{D737447E-3F47-4807-B369-0E48F088FBBE}"/>
-              </a:ext>
-            </a:extLst>
-          </p:cNvPr>
+            <a:endParaRPr lang="en-US" dirty="0"/>
+          </a:p>
+        </p:txBody>
+      </p:sp>
+      <p:sp>
+        <p:nvSpPr>
+          <p:cNvPr id="4" name="Date Placeholder 3"/>
           <p:cNvSpPr>
             <a:spLocks noGrp="1"/>
           </p:cNvSpPr>
@@ -871,13 +771,7 @@
       </p:sp>
       <p:sp>
         <p:nvSpPr>
-          <p:cNvPr id="5" name="Fußzeilenplatzhalter 4">
-            <a:extLst>
-              <a:ext uri="{FF2B5EF4-FFF2-40B4-BE49-F238E27FC236}">
-                <a16:creationId xmlns:a16="http://schemas.microsoft.com/office/drawing/2014/main" id="{37165823-3F44-4726-8789-1CFE15079417}"/>
-              </a:ext>
-            </a:extLst>
-          </p:cNvPr>
+          <p:cNvPr id="5" name="Footer Placeholder 4"/>
           <p:cNvSpPr>
             <a:spLocks noGrp="1"/>
           </p:cNvSpPr>
@@ -896,13 +790,7 @@
       </p:sp>
       <p:sp>
         <p:nvSpPr>
-          <p:cNvPr id="6" name="Foliennummernplatzhalter 5">
-            <a:extLst>
-              <a:ext uri="{FF2B5EF4-FFF2-40B4-BE49-F238E27FC236}">
-                <a16:creationId xmlns:a16="http://schemas.microsoft.com/office/drawing/2014/main" id="{2F9F63FC-1197-464D-BBE7-A6FBFA5B7AD0}"/>
-              </a:ext>
-            </a:extLst>
-          </p:cNvPr>
+          <p:cNvPr id="6" name="Slide Number Placeholder 5"/>
           <p:cNvSpPr>
             <a:spLocks noGrp="1"/>
           </p:cNvSpPr>
@@ -926,7 +814,7 @@
     </p:spTree>
     <p:extLst>
       <p:ext uri="{BB962C8B-B14F-4D97-AF65-F5344CB8AC3E}">
-        <p14:creationId xmlns:p14="http://schemas.microsoft.com/office/powerpoint/2010/main" val="4161397583"/>
+        <p14:creationId xmlns:p14="http://schemas.microsoft.com/office/powerpoint/2010/main" val="1818618674"/>
       </p:ext>
     </p:extLst>
   </p:cSld>
@@ -955,13 +843,7 @@
       </p:grpSpPr>
       <p:sp>
         <p:nvSpPr>
-          <p:cNvPr id="2" name="Titel 1">
-            <a:extLst>
-              <a:ext uri="{FF2B5EF4-FFF2-40B4-BE49-F238E27FC236}">
-                <a16:creationId xmlns:a16="http://schemas.microsoft.com/office/drawing/2014/main" id="{064943F5-7C56-4238-BF9C-F8014E75587D}"/>
-              </a:ext>
-            </a:extLst>
-          </p:cNvPr>
+          <p:cNvPr id="2" name="Title 1"/>
           <p:cNvSpPr>
             <a:spLocks noGrp="1"/>
           </p:cNvSpPr>
@@ -971,15 +853,15 @@
         </p:nvSpPr>
         <p:spPr>
           <a:xfrm>
-            <a:off x="831850" y="1709738"/>
-            <a:ext cx="10515600" cy="2852737"/>
+            <a:off x="729493" y="1705385"/>
+            <a:ext cx="9221689" cy="2845473"/>
           </a:xfrm>
         </p:spPr>
         <p:txBody>
           <a:bodyPr anchor="b"/>
           <a:lstStyle>
             <a:lvl1pPr>
-              <a:defRPr sz="6000"/>
+              <a:defRPr sz="5262"/>
             </a:lvl1pPr>
           </a:lstStyle>
           <a:p>
@@ -987,18 +869,13 @@
               <a:rPr lang="de-DE"/>
               <a:t>Mastertitelformat bearbeiten</a:t>
             </a:r>
-          </a:p>
-        </p:txBody>
-      </p:sp>
-      <p:sp>
-        <p:nvSpPr>
-          <p:cNvPr id="3" name="Textplatzhalter 2">
-            <a:extLst>
-              <a:ext uri="{FF2B5EF4-FFF2-40B4-BE49-F238E27FC236}">
-                <a16:creationId xmlns:a16="http://schemas.microsoft.com/office/drawing/2014/main" id="{93218E7D-7FBA-4330-BF71-9D9B6E3C6D12}"/>
-              </a:ext>
-            </a:extLst>
-          </p:cNvPr>
+            <a:endParaRPr lang="en-US" dirty="0"/>
+          </a:p>
+        </p:txBody>
+      </p:sp>
+      <p:sp>
+        <p:nvSpPr>
+          <p:cNvPr id="3" name="Text Placeholder 2"/>
           <p:cNvSpPr>
             <a:spLocks noGrp="1"/>
           </p:cNvSpPr>
@@ -1008,8 +885,8 @@
         </p:nvSpPr>
         <p:spPr>
           <a:xfrm>
-            <a:off x="831850" y="4589463"/>
-            <a:ext cx="10515600" cy="1500187"/>
+            <a:off x="729493" y="4577778"/>
+            <a:ext cx="9221689" cy="1496367"/>
           </a:xfrm>
         </p:spPr>
         <p:txBody>
@@ -1017,7 +894,7 @@
           <a:lstStyle>
             <a:lvl1pPr marL="0" indent="0">
               <a:buNone/>
-              <a:defRPr sz="2400">
+              <a:defRPr sz="2105">
                 <a:solidFill>
                   <a:schemeClr val="tx1">
                     <a:tint val="75000"/>
@@ -1025,9 +902,9 @@
                 </a:solidFill>
               </a:defRPr>
             </a:lvl1pPr>
-            <a:lvl2pPr marL="457200" indent="0">
-              <a:buNone/>
-              <a:defRPr sz="2000">
+            <a:lvl2pPr marL="400964" indent="0">
+              <a:buNone/>
+              <a:defRPr sz="1754">
                 <a:solidFill>
                   <a:schemeClr val="tx1">
                     <a:tint val="75000"/>
@@ -1035,9 +912,9 @@
                 </a:solidFill>
               </a:defRPr>
             </a:lvl2pPr>
-            <a:lvl3pPr marL="914400" indent="0">
-              <a:buNone/>
-              <a:defRPr sz="1800">
+            <a:lvl3pPr marL="801929" indent="0">
+              <a:buNone/>
+              <a:defRPr sz="1579">
                 <a:solidFill>
                   <a:schemeClr val="tx1">
                     <a:tint val="75000"/>
@@ -1045,9 +922,9 @@
                 </a:solidFill>
               </a:defRPr>
             </a:lvl3pPr>
-            <a:lvl4pPr marL="1371600" indent="0">
-              <a:buNone/>
-              <a:defRPr sz="1600">
+            <a:lvl4pPr marL="1202893" indent="0">
+              <a:buNone/>
+              <a:defRPr sz="1403">
                 <a:solidFill>
                   <a:schemeClr val="tx1">
                     <a:tint val="75000"/>
@@ -1055,9 +932,9 @@
                 </a:solidFill>
               </a:defRPr>
             </a:lvl4pPr>
-            <a:lvl5pPr marL="1828800" indent="0">
-              <a:buNone/>
-              <a:defRPr sz="1600">
+            <a:lvl5pPr marL="1603858" indent="0">
+              <a:buNone/>
+              <a:defRPr sz="1403">
                 <a:solidFill>
                   <a:schemeClr val="tx1">
                     <a:tint val="75000"/>
@@ -1065,9 +942,9 @@
                 </a:solidFill>
               </a:defRPr>
             </a:lvl5pPr>
-            <a:lvl6pPr marL="2286000" indent="0">
-              <a:buNone/>
-              <a:defRPr sz="1600">
+            <a:lvl6pPr marL="2004822" indent="0">
+              <a:buNone/>
+              <a:defRPr sz="1403">
                 <a:solidFill>
                   <a:schemeClr val="tx1">
                     <a:tint val="75000"/>
@@ -1075,9 +952,9 @@
                 </a:solidFill>
               </a:defRPr>
             </a:lvl6pPr>
-            <a:lvl7pPr marL="2743200" indent="0">
-              <a:buNone/>
-              <a:defRPr sz="1600">
+            <a:lvl7pPr marL="2405786" indent="0">
+              <a:buNone/>
+              <a:defRPr sz="1403">
                 <a:solidFill>
                   <a:schemeClr val="tx1">
                     <a:tint val="75000"/>
@@ -1085,9 +962,9 @@
                 </a:solidFill>
               </a:defRPr>
             </a:lvl7pPr>
-            <a:lvl8pPr marL="3200400" indent="0">
-              <a:buNone/>
-              <a:defRPr sz="1600">
+            <a:lvl8pPr marL="2806751" indent="0">
+              <a:buNone/>
+              <a:defRPr sz="1403">
                 <a:solidFill>
                   <a:schemeClr val="tx1">
                     <a:tint val="75000"/>
@@ -1095,9 +972,9 @@
                 </a:solidFill>
               </a:defRPr>
             </a:lvl8pPr>
-            <a:lvl9pPr marL="3657600" indent="0">
-              <a:buNone/>
-              <a:defRPr sz="1600">
+            <a:lvl9pPr marL="3207715" indent="0">
+              <a:buNone/>
+              <a:defRPr sz="1403">
                 <a:solidFill>
                   <a:schemeClr val="tx1">
                     <a:tint val="75000"/>
@@ -1117,13 +994,7 @@
       </p:sp>
       <p:sp>
         <p:nvSpPr>
-          <p:cNvPr id="4" name="Datumsplatzhalter 3">
-            <a:extLst>
-              <a:ext uri="{FF2B5EF4-FFF2-40B4-BE49-F238E27FC236}">
-                <a16:creationId xmlns:a16="http://schemas.microsoft.com/office/drawing/2014/main" id="{960C80B7-F863-4070-A744-BFB2B9F03208}"/>
-              </a:ext>
-            </a:extLst>
-          </p:cNvPr>
+          <p:cNvPr id="4" name="Date Placeholder 3"/>
           <p:cNvSpPr>
             <a:spLocks noGrp="1"/>
           </p:cNvSpPr>
@@ -1146,13 +1017,7 @@
       </p:sp>
       <p:sp>
         <p:nvSpPr>
-          <p:cNvPr id="5" name="Fußzeilenplatzhalter 4">
-            <a:extLst>
-              <a:ext uri="{FF2B5EF4-FFF2-40B4-BE49-F238E27FC236}">
-                <a16:creationId xmlns:a16="http://schemas.microsoft.com/office/drawing/2014/main" id="{0AC25B52-1C85-451F-BDC0-49DFE7312F74}"/>
-              </a:ext>
-            </a:extLst>
-          </p:cNvPr>
+          <p:cNvPr id="5" name="Footer Placeholder 4"/>
           <p:cNvSpPr>
             <a:spLocks noGrp="1"/>
           </p:cNvSpPr>
@@ -1171,13 +1036,7 @@
       </p:sp>
       <p:sp>
         <p:nvSpPr>
-          <p:cNvPr id="6" name="Foliennummernplatzhalter 5">
-            <a:extLst>
-              <a:ext uri="{FF2B5EF4-FFF2-40B4-BE49-F238E27FC236}">
-                <a16:creationId xmlns:a16="http://schemas.microsoft.com/office/drawing/2014/main" id="{DF4F30B6-EC67-4392-956D-D4270B8E0252}"/>
-              </a:ext>
-            </a:extLst>
-          </p:cNvPr>
+          <p:cNvPr id="6" name="Slide Number Placeholder 5"/>
           <p:cNvSpPr>
             <a:spLocks noGrp="1"/>
           </p:cNvSpPr>
@@ -1201,7 +1060,7 @@
     </p:spTree>
     <p:extLst>
       <p:ext uri="{BB962C8B-B14F-4D97-AF65-F5344CB8AC3E}">
-        <p14:creationId xmlns:p14="http://schemas.microsoft.com/office/powerpoint/2010/main" val="2397143059"/>
+        <p14:creationId xmlns:p14="http://schemas.microsoft.com/office/powerpoint/2010/main" val="945526129"/>
       </p:ext>
     </p:extLst>
   </p:cSld>
@@ -1230,13 +1089,7 @@
       </p:grpSpPr>
       <p:sp>
         <p:nvSpPr>
-          <p:cNvPr id="2" name="Titel 1">
-            <a:extLst>
-              <a:ext uri="{FF2B5EF4-FFF2-40B4-BE49-F238E27FC236}">
-                <a16:creationId xmlns:a16="http://schemas.microsoft.com/office/drawing/2014/main" id="{0C47861C-9312-4E1C-BD36-E37334DEAB68}"/>
-              </a:ext>
-            </a:extLst>
-          </p:cNvPr>
+          <p:cNvPr id="2" name="Title 1"/>
           <p:cNvSpPr>
             <a:spLocks noGrp="1"/>
           </p:cNvSpPr>
@@ -1253,18 +1106,13 @@
               <a:rPr lang="de-DE"/>
               <a:t>Mastertitelformat bearbeiten</a:t>
             </a:r>
-          </a:p>
-        </p:txBody>
-      </p:sp>
-      <p:sp>
-        <p:nvSpPr>
-          <p:cNvPr id="3" name="Inhaltsplatzhalter 2">
-            <a:extLst>
-              <a:ext uri="{FF2B5EF4-FFF2-40B4-BE49-F238E27FC236}">
-                <a16:creationId xmlns:a16="http://schemas.microsoft.com/office/drawing/2014/main" id="{B1929018-B597-474C-9E6C-68CBFC33B63D}"/>
-              </a:ext>
-            </a:extLst>
-          </p:cNvPr>
+            <a:endParaRPr lang="en-US" dirty="0"/>
+          </a:p>
+        </p:txBody>
+      </p:sp>
+      <p:sp>
+        <p:nvSpPr>
+          <p:cNvPr id="3" name="Content Placeholder 2"/>
           <p:cNvSpPr>
             <a:spLocks noGrp="1"/>
           </p:cNvSpPr>
@@ -1274,8 +1122,8 @@
         </p:nvSpPr>
         <p:spPr>
           <a:xfrm>
-            <a:off x="838200" y="1825625"/>
-            <a:ext cx="5181600" cy="4351338"/>
+            <a:off x="735062" y="1820976"/>
+            <a:ext cx="4544021" cy="4340259"/>
           </a:xfrm>
         </p:spPr>
         <p:txBody>
@@ -1315,18 +1163,13 @@
               <a:rPr lang="de-DE"/>
               <a:t>Fünfte Ebene</a:t>
             </a:r>
-          </a:p>
-        </p:txBody>
-      </p:sp>
-      <p:sp>
-        <p:nvSpPr>
-          <p:cNvPr id="4" name="Inhaltsplatzhalter 3">
-            <a:extLst>
-              <a:ext uri="{FF2B5EF4-FFF2-40B4-BE49-F238E27FC236}">
-                <a16:creationId xmlns:a16="http://schemas.microsoft.com/office/drawing/2014/main" id="{5E6BBC4F-1C25-4A7A-B175-6AFEA73E300A}"/>
-              </a:ext>
-            </a:extLst>
-          </p:cNvPr>
+            <a:endParaRPr lang="en-US" dirty="0"/>
+          </a:p>
+        </p:txBody>
+      </p:sp>
+      <p:sp>
+        <p:nvSpPr>
+          <p:cNvPr id="4" name="Content Placeholder 3"/>
           <p:cNvSpPr>
             <a:spLocks noGrp="1"/>
           </p:cNvSpPr>
@@ -1336,8 +1179,8 @@
         </p:nvSpPr>
         <p:spPr>
           <a:xfrm>
-            <a:off x="6172200" y="1825625"/>
-            <a:ext cx="5181600" cy="4351338"/>
+            <a:off x="5412730" y="1820976"/>
+            <a:ext cx="4544021" cy="4340259"/>
           </a:xfrm>
         </p:spPr>
         <p:txBody>
@@ -1377,18 +1220,13 @@
               <a:rPr lang="de-DE"/>
               <a:t>Fünfte Ebene</a:t>
             </a:r>
-          </a:p>
-        </p:txBody>
-      </p:sp>
-      <p:sp>
-        <p:nvSpPr>
-          <p:cNvPr id="5" name="Datumsplatzhalter 4">
-            <a:extLst>
-              <a:ext uri="{FF2B5EF4-FFF2-40B4-BE49-F238E27FC236}">
-                <a16:creationId xmlns:a16="http://schemas.microsoft.com/office/drawing/2014/main" id="{3516F931-459F-41A0-9861-886EC2FACC7A}"/>
-              </a:ext>
-            </a:extLst>
-          </p:cNvPr>
+            <a:endParaRPr lang="en-US" dirty="0"/>
+          </a:p>
+        </p:txBody>
+      </p:sp>
+      <p:sp>
+        <p:nvSpPr>
+          <p:cNvPr id="5" name="Date Placeholder 4"/>
           <p:cNvSpPr>
             <a:spLocks noGrp="1"/>
           </p:cNvSpPr>
@@ -1411,13 +1249,7 @@
       </p:sp>
       <p:sp>
         <p:nvSpPr>
-          <p:cNvPr id="6" name="Fußzeilenplatzhalter 5">
-            <a:extLst>
-              <a:ext uri="{FF2B5EF4-FFF2-40B4-BE49-F238E27FC236}">
-                <a16:creationId xmlns:a16="http://schemas.microsoft.com/office/drawing/2014/main" id="{2592F6F9-C4DD-4617-ADE5-C5D7760FBD20}"/>
-              </a:ext>
-            </a:extLst>
-          </p:cNvPr>
+          <p:cNvPr id="6" name="Footer Placeholder 5"/>
           <p:cNvSpPr>
             <a:spLocks noGrp="1"/>
           </p:cNvSpPr>
@@ -1436,13 +1268,7 @@
       </p:sp>
       <p:sp>
         <p:nvSpPr>
-          <p:cNvPr id="7" name="Foliennummernplatzhalter 6">
-            <a:extLst>
-              <a:ext uri="{FF2B5EF4-FFF2-40B4-BE49-F238E27FC236}">
-                <a16:creationId xmlns:a16="http://schemas.microsoft.com/office/drawing/2014/main" id="{AE9C75C6-F8F8-4E4E-A6DC-4D74142FBF93}"/>
-              </a:ext>
-            </a:extLst>
-          </p:cNvPr>
+          <p:cNvPr id="7" name="Slide Number Placeholder 6"/>
           <p:cNvSpPr>
             <a:spLocks noGrp="1"/>
           </p:cNvSpPr>
@@ -1466,7 +1292,7 @@
     </p:spTree>
     <p:extLst>
       <p:ext uri="{BB962C8B-B14F-4D97-AF65-F5344CB8AC3E}">
-        <p14:creationId xmlns:p14="http://schemas.microsoft.com/office/powerpoint/2010/main" val="2174410079"/>
+        <p14:creationId xmlns:p14="http://schemas.microsoft.com/office/powerpoint/2010/main" val="20032253"/>
       </p:ext>
     </p:extLst>
   </p:cSld>
@@ -1495,13 +1321,7 @@
       </p:grpSpPr>
       <p:sp>
         <p:nvSpPr>
-          <p:cNvPr id="2" name="Titel 1">
-            <a:extLst>
-              <a:ext uri="{FF2B5EF4-FFF2-40B4-BE49-F238E27FC236}">
-                <a16:creationId xmlns:a16="http://schemas.microsoft.com/office/drawing/2014/main" id="{FCF07EE4-D14B-4411-825B-7BF25BC847E2}"/>
-              </a:ext>
-            </a:extLst>
-          </p:cNvPr>
+          <p:cNvPr id="2" name="Title 1"/>
           <p:cNvSpPr>
             <a:spLocks noGrp="1"/>
           </p:cNvSpPr>
@@ -1511,8 +1331,8 @@
         </p:nvSpPr>
         <p:spPr>
           <a:xfrm>
-            <a:off x="839788" y="365125"/>
-            <a:ext cx="10515600" cy="1325563"/>
+            <a:off x="736455" y="364196"/>
+            <a:ext cx="9221689" cy="1322188"/>
           </a:xfrm>
         </p:spPr>
         <p:txBody>
@@ -1523,18 +1343,13 @@
               <a:rPr lang="de-DE"/>
               <a:t>Mastertitelformat bearbeiten</a:t>
             </a:r>
-          </a:p>
-        </p:txBody>
-      </p:sp>
-      <p:sp>
-        <p:nvSpPr>
-          <p:cNvPr id="3" name="Textplatzhalter 2">
-            <a:extLst>
-              <a:ext uri="{FF2B5EF4-FFF2-40B4-BE49-F238E27FC236}">
-                <a16:creationId xmlns:a16="http://schemas.microsoft.com/office/drawing/2014/main" id="{547EECF5-7EB8-4B12-A062-66EE19C495AB}"/>
-              </a:ext>
-            </a:extLst>
-          </p:cNvPr>
+            <a:endParaRPr lang="en-US" dirty="0"/>
+          </a:p>
+        </p:txBody>
+      </p:sp>
+      <p:sp>
+        <p:nvSpPr>
+          <p:cNvPr id="3" name="Text Placeholder 2"/>
           <p:cNvSpPr>
             <a:spLocks noGrp="1"/>
           </p:cNvSpPr>
@@ -1544,8 +1359,8 @@
         </p:nvSpPr>
         <p:spPr>
           <a:xfrm>
-            <a:off x="839788" y="1681163"/>
-            <a:ext cx="5157787" cy="823912"/>
+            <a:off x="736455" y="1676882"/>
+            <a:ext cx="4523138" cy="821814"/>
           </a:xfrm>
         </p:spPr>
         <p:txBody>
@@ -1553,39 +1368,39 @@
           <a:lstStyle>
             <a:lvl1pPr marL="0" indent="0">
               <a:buNone/>
-              <a:defRPr sz="2400" b="1"/>
+              <a:defRPr sz="2105" b="1"/>
             </a:lvl1pPr>
-            <a:lvl2pPr marL="457200" indent="0">
-              <a:buNone/>
-              <a:defRPr sz="2000" b="1"/>
+            <a:lvl2pPr marL="400964" indent="0">
+              <a:buNone/>
+              <a:defRPr sz="1754" b="1"/>
             </a:lvl2pPr>
-            <a:lvl3pPr marL="914400" indent="0">
-              <a:buNone/>
-              <a:defRPr sz="1800" b="1"/>
+            <a:lvl3pPr marL="801929" indent="0">
+              <a:buNone/>
+              <a:defRPr sz="1579" b="1"/>
             </a:lvl3pPr>
-            <a:lvl4pPr marL="1371600" indent="0">
-              <a:buNone/>
-              <a:defRPr sz="1600" b="1"/>
+            <a:lvl4pPr marL="1202893" indent="0">
+              <a:buNone/>
+              <a:defRPr sz="1403" b="1"/>
             </a:lvl4pPr>
-            <a:lvl5pPr marL="1828800" indent="0">
-              <a:buNone/>
-              <a:defRPr sz="1600" b="1"/>
+            <a:lvl5pPr marL="1603858" indent="0">
+              <a:buNone/>
+              <a:defRPr sz="1403" b="1"/>
             </a:lvl5pPr>
-            <a:lvl6pPr marL="2286000" indent="0">
-              <a:buNone/>
-              <a:defRPr sz="1600" b="1"/>
+            <a:lvl6pPr marL="2004822" indent="0">
+              <a:buNone/>
+              <a:defRPr sz="1403" b="1"/>
             </a:lvl6pPr>
-            <a:lvl7pPr marL="2743200" indent="0">
-              <a:buNone/>
-              <a:defRPr sz="1600" b="1"/>
+            <a:lvl7pPr marL="2405786" indent="0">
+              <a:buNone/>
+              <a:defRPr sz="1403" b="1"/>
             </a:lvl7pPr>
-            <a:lvl8pPr marL="3200400" indent="0">
-              <a:buNone/>
-              <a:defRPr sz="1600" b="1"/>
+            <a:lvl8pPr marL="2806751" indent="0">
+              <a:buNone/>
+              <a:defRPr sz="1403" b="1"/>
             </a:lvl8pPr>
-            <a:lvl9pPr marL="3657600" indent="0">
-              <a:buNone/>
-              <a:defRPr sz="1600" b="1"/>
+            <a:lvl9pPr marL="3207715" indent="0">
+              <a:buNone/>
+              <a:defRPr sz="1403" b="1"/>
             </a:lvl9pPr>
           </a:lstStyle>
           <a:p>
@@ -1599,13 +1414,7 @@
       </p:sp>
       <p:sp>
         <p:nvSpPr>
-          <p:cNvPr id="4" name="Inhaltsplatzhalter 3">
-            <a:extLst>
-              <a:ext uri="{FF2B5EF4-FFF2-40B4-BE49-F238E27FC236}">
-                <a16:creationId xmlns:a16="http://schemas.microsoft.com/office/drawing/2014/main" id="{7BA192C8-27CF-402F-B3A3-90A1A8999D81}"/>
-              </a:ext>
-            </a:extLst>
-          </p:cNvPr>
+          <p:cNvPr id="4" name="Content Placeholder 3"/>
           <p:cNvSpPr>
             <a:spLocks noGrp="1"/>
           </p:cNvSpPr>
@@ -1615,8 +1424,8 @@
         </p:nvSpPr>
         <p:spPr>
           <a:xfrm>
-            <a:off x="839788" y="2505075"/>
-            <a:ext cx="5157787" cy="3684588"/>
+            <a:off x="736455" y="2498697"/>
+            <a:ext cx="4523138" cy="3675206"/>
           </a:xfrm>
         </p:spPr>
         <p:txBody>
@@ -1656,18 +1465,13 @@
               <a:rPr lang="de-DE"/>
               <a:t>Fünfte Ebene</a:t>
             </a:r>
-          </a:p>
-        </p:txBody>
-      </p:sp>
-      <p:sp>
-        <p:nvSpPr>
-          <p:cNvPr id="5" name="Textplatzhalter 4">
-            <a:extLst>
-              <a:ext uri="{FF2B5EF4-FFF2-40B4-BE49-F238E27FC236}">
-                <a16:creationId xmlns:a16="http://schemas.microsoft.com/office/drawing/2014/main" id="{0C455397-676E-4E16-82E6-013737713A77}"/>
-              </a:ext>
-            </a:extLst>
-          </p:cNvPr>
+            <a:endParaRPr lang="en-US" dirty="0"/>
+          </a:p>
+        </p:txBody>
+      </p:sp>
+      <p:sp>
+        <p:nvSpPr>
+          <p:cNvPr id="5" name="Text Placeholder 4"/>
           <p:cNvSpPr>
             <a:spLocks noGrp="1"/>
           </p:cNvSpPr>
@@ -1677,8 +1481,8 @@
         </p:nvSpPr>
         <p:spPr>
           <a:xfrm>
-            <a:off x="6172200" y="1681163"/>
-            <a:ext cx="5183188" cy="823912"/>
+            <a:off x="5412730" y="1676882"/>
+            <a:ext cx="4545413" cy="821814"/>
           </a:xfrm>
         </p:spPr>
         <p:txBody>
@@ -1686,39 +1490,39 @@
           <a:lstStyle>
             <a:lvl1pPr marL="0" indent="0">
               <a:buNone/>
-              <a:defRPr sz="2400" b="1"/>
+              <a:defRPr sz="2105" b="1"/>
             </a:lvl1pPr>
-            <a:lvl2pPr marL="457200" indent="0">
-              <a:buNone/>
-              <a:defRPr sz="2000" b="1"/>
+            <a:lvl2pPr marL="400964" indent="0">
+              <a:buNone/>
+              <a:defRPr sz="1754" b="1"/>
             </a:lvl2pPr>
-            <a:lvl3pPr marL="914400" indent="0">
-              <a:buNone/>
-              <a:defRPr sz="1800" b="1"/>
+            <a:lvl3pPr marL="801929" indent="0">
+              <a:buNone/>
+              <a:defRPr sz="1579" b="1"/>
             </a:lvl3pPr>
-            <a:lvl4pPr marL="1371600" indent="0">
-              <a:buNone/>
-              <a:defRPr sz="1600" b="1"/>
+            <a:lvl4pPr marL="1202893" indent="0">
+              <a:buNone/>
+              <a:defRPr sz="1403" b="1"/>
             </a:lvl4pPr>
-            <a:lvl5pPr marL="1828800" indent="0">
-              <a:buNone/>
-              <a:defRPr sz="1600" b="1"/>
+            <a:lvl5pPr marL="1603858" indent="0">
+              <a:buNone/>
+              <a:defRPr sz="1403" b="1"/>
             </a:lvl5pPr>
-            <a:lvl6pPr marL="2286000" indent="0">
-              <a:buNone/>
-              <a:defRPr sz="1600" b="1"/>
+            <a:lvl6pPr marL="2004822" indent="0">
+              <a:buNone/>
+              <a:defRPr sz="1403" b="1"/>
             </a:lvl6pPr>
-            <a:lvl7pPr marL="2743200" indent="0">
-              <a:buNone/>
-              <a:defRPr sz="1600" b="1"/>
+            <a:lvl7pPr marL="2405786" indent="0">
+              <a:buNone/>
+              <a:defRPr sz="1403" b="1"/>
             </a:lvl7pPr>
-            <a:lvl8pPr marL="3200400" indent="0">
-              <a:buNone/>
-              <a:defRPr sz="1600" b="1"/>
+            <a:lvl8pPr marL="2806751" indent="0">
+              <a:buNone/>
+              <a:defRPr sz="1403" b="1"/>
             </a:lvl8pPr>
-            <a:lvl9pPr marL="3657600" indent="0">
-              <a:buNone/>
-              <a:defRPr sz="1600" b="1"/>
+            <a:lvl9pPr marL="3207715" indent="0">
+              <a:buNone/>
+              <a:defRPr sz="1403" b="1"/>
             </a:lvl9pPr>
           </a:lstStyle>
           <a:p>
@@ -1732,13 +1536,7 @@
       </p:sp>
       <p:sp>
         <p:nvSpPr>
-          <p:cNvPr id="6" name="Inhaltsplatzhalter 5">
-            <a:extLst>
-              <a:ext uri="{FF2B5EF4-FFF2-40B4-BE49-F238E27FC236}">
-                <a16:creationId xmlns:a16="http://schemas.microsoft.com/office/drawing/2014/main" id="{CCAEC35A-588D-4817-9E03-FD7400F90028}"/>
-              </a:ext>
-            </a:extLst>
-          </p:cNvPr>
+          <p:cNvPr id="6" name="Content Placeholder 5"/>
           <p:cNvSpPr>
             <a:spLocks noGrp="1"/>
           </p:cNvSpPr>
@@ -1748,8 +1546,8 @@
         </p:nvSpPr>
         <p:spPr>
           <a:xfrm>
-            <a:off x="6172200" y="2505075"/>
-            <a:ext cx="5183188" cy="3684588"/>
+            <a:off x="5412730" y="2498697"/>
+            <a:ext cx="4545413" cy="3675206"/>
           </a:xfrm>
         </p:spPr>
         <p:txBody>
@@ -1789,18 +1587,13 @@
               <a:rPr lang="de-DE"/>
               <a:t>Fünfte Ebene</a:t>
             </a:r>
-          </a:p>
-        </p:txBody>
-      </p:sp>
-      <p:sp>
-        <p:nvSpPr>
-          <p:cNvPr id="7" name="Datumsplatzhalter 6">
-            <a:extLst>
-              <a:ext uri="{FF2B5EF4-FFF2-40B4-BE49-F238E27FC236}">
-                <a16:creationId xmlns:a16="http://schemas.microsoft.com/office/drawing/2014/main" id="{6E24DCC4-DDA7-4469-9441-7542EB6482C3}"/>
-              </a:ext>
-            </a:extLst>
-          </p:cNvPr>
+            <a:endParaRPr lang="en-US" dirty="0"/>
+          </a:p>
+        </p:txBody>
+      </p:sp>
+      <p:sp>
+        <p:nvSpPr>
+          <p:cNvPr id="7" name="Date Placeholder 6"/>
           <p:cNvSpPr>
             <a:spLocks noGrp="1"/>
           </p:cNvSpPr>
@@ -1823,13 +1616,7 @@
       </p:sp>
       <p:sp>
         <p:nvSpPr>
-          <p:cNvPr id="8" name="Fußzeilenplatzhalter 7">
-            <a:extLst>
-              <a:ext uri="{FF2B5EF4-FFF2-40B4-BE49-F238E27FC236}">
-                <a16:creationId xmlns:a16="http://schemas.microsoft.com/office/drawing/2014/main" id="{D811BC6E-6D3A-4009-9E22-2F690B329B87}"/>
-              </a:ext>
-            </a:extLst>
-          </p:cNvPr>
+          <p:cNvPr id="8" name="Footer Placeholder 7"/>
           <p:cNvSpPr>
             <a:spLocks noGrp="1"/>
           </p:cNvSpPr>
@@ -1848,13 +1635,7 @@
       </p:sp>
       <p:sp>
         <p:nvSpPr>
-          <p:cNvPr id="9" name="Foliennummernplatzhalter 8">
-            <a:extLst>
-              <a:ext uri="{FF2B5EF4-FFF2-40B4-BE49-F238E27FC236}">
-                <a16:creationId xmlns:a16="http://schemas.microsoft.com/office/drawing/2014/main" id="{F44DD00F-3F50-480D-9DCD-C3B9454E9AD6}"/>
-              </a:ext>
-            </a:extLst>
-          </p:cNvPr>
+          <p:cNvPr id="9" name="Slide Number Placeholder 8"/>
           <p:cNvSpPr>
             <a:spLocks noGrp="1"/>
           </p:cNvSpPr>
@@ -1878,7 +1659,7 @@
     </p:spTree>
     <p:extLst>
       <p:ext uri="{BB962C8B-B14F-4D97-AF65-F5344CB8AC3E}">
-        <p14:creationId xmlns:p14="http://schemas.microsoft.com/office/powerpoint/2010/main" val="1223873224"/>
+        <p14:creationId xmlns:p14="http://schemas.microsoft.com/office/powerpoint/2010/main" val="982407494"/>
       </p:ext>
     </p:extLst>
   </p:cSld>
@@ -1907,13 +1688,7 @@
       </p:grpSpPr>
       <p:sp>
         <p:nvSpPr>
-          <p:cNvPr id="2" name="Titel 1">
-            <a:extLst>
-              <a:ext uri="{FF2B5EF4-FFF2-40B4-BE49-F238E27FC236}">
-                <a16:creationId xmlns:a16="http://schemas.microsoft.com/office/drawing/2014/main" id="{455063A4-1134-4E70-87B4-964A64E73AE0}"/>
-              </a:ext>
-            </a:extLst>
-          </p:cNvPr>
+          <p:cNvPr id="2" name="Title 1"/>
           <p:cNvSpPr>
             <a:spLocks noGrp="1"/>
           </p:cNvSpPr>
@@ -1930,18 +1705,13 @@
               <a:rPr lang="de-DE"/>
               <a:t>Mastertitelformat bearbeiten</a:t>
             </a:r>
-          </a:p>
-        </p:txBody>
-      </p:sp>
-      <p:sp>
-        <p:nvSpPr>
-          <p:cNvPr id="3" name="Datumsplatzhalter 2">
-            <a:extLst>
-              <a:ext uri="{FF2B5EF4-FFF2-40B4-BE49-F238E27FC236}">
-                <a16:creationId xmlns:a16="http://schemas.microsoft.com/office/drawing/2014/main" id="{071A4849-DCDE-4616-B70D-29C7622A1469}"/>
-              </a:ext>
-            </a:extLst>
-          </p:cNvPr>
+            <a:endParaRPr lang="en-US" dirty="0"/>
+          </a:p>
+        </p:txBody>
+      </p:sp>
+      <p:sp>
+        <p:nvSpPr>
+          <p:cNvPr id="3" name="Date Placeholder 2"/>
           <p:cNvSpPr>
             <a:spLocks noGrp="1"/>
           </p:cNvSpPr>
@@ -1964,13 +1734,7 @@
       </p:sp>
       <p:sp>
         <p:nvSpPr>
-          <p:cNvPr id="4" name="Fußzeilenplatzhalter 3">
-            <a:extLst>
-              <a:ext uri="{FF2B5EF4-FFF2-40B4-BE49-F238E27FC236}">
-                <a16:creationId xmlns:a16="http://schemas.microsoft.com/office/drawing/2014/main" id="{74531E9F-C904-4782-9D72-084E5F4705C7}"/>
-              </a:ext>
-            </a:extLst>
-          </p:cNvPr>
+          <p:cNvPr id="4" name="Footer Placeholder 3"/>
           <p:cNvSpPr>
             <a:spLocks noGrp="1"/>
           </p:cNvSpPr>
@@ -1989,13 +1753,7 @@
       </p:sp>
       <p:sp>
         <p:nvSpPr>
-          <p:cNvPr id="5" name="Foliennummernplatzhalter 4">
-            <a:extLst>
-              <a:ext uri="{FF2B5EF4-FFF2-40B4-BE49-F238E27FC236}">
-                <a16:creationId xmlns:a16="http://schemas.microsoft.com/office/drawing/2014/main" id="{5F680281-5C5E-43AB-8D58-DE013B73DB7B}"/>
-              </a:ext>
-            </a:extLst>
-          </p:cNvPr>
+          <p:cNvPr id="5" name="Slide Number Placeholder 4"/>
           <p:cNvSpPr>
             <a:spLocks noGrp="1"/>
           </p:cNvSpPr>
@@ -2019,7 +1777,7 @@
     </p:spTree>
     <p:extLst>
       <p:ext uri="{BB962C8B-B14F-4D97-AF65-F5344CB8AC3E}">
-        <p14:creationId xmlns:p14="http://schemas.microsoft.com/office/powerpoint/2010/main" val="243840583"/>
+        <p14:creationId xmlns:p14="http://schemas.microsoft.com/office/powerpoint/2010/main" val="2637993070"/>
       </p:ext>
     </p:extLst>
   </p:cSld>
@@ -2048,13 +1806,7 @@
       </p:grpSpPr>
       <p:sp>
         <p:nvSpPr>
-          <p:cNvPr id="2" name="Datumsplatzhalter 1">
-            <a:extLst>
-              <a:ext uri="{FF2B5EF4-FFF2-40B4-BE49-F238E27FC236}">
-                <a16:creationId xmlns:a16="http://schemas.microsoft.com/office/drawing/2014/main" id="{AD99851C-A80B-411F-8C66-BB5022BF724F}"/>
-              </a:ext>
-            </a:extLst>
-          </p:cNvPr>
+          <p:cNvPr id="2" name="Date Placeholder 1"/>
           <p:cNvSpPr>
             <a:spLocks noGrp="1"/>
           </p:cNvSpPr>
@@ -2077,13 +1829,7 @@
       </p:sp>
       <p:sp>
         <p:nvSpPr>
-          <p:cNvPr id="3" name="Fußzeilenplatzhalter 2">
-            <a:extLst>
-              <a:ext uri="{FF2B5EF4-FFF2-40B4-BE49-F238E27FC236}">
-                <a16:creationId xmlns:a16="http://schemas.microsoft.com/office/drawing/2014/main" id="{7A683F78-AAC1-406A-B0C0-FE6F188CFB63}"/>
-              </a:ext>
-            </a:extLst>
-          </p:cNvPr>
+          <p:cNvPr id="3" name="Footer Placeholder 2"/>
           <p:cNvSpPr>
             <a:spLocks noGrp="1"/>
           </p:cNvSpPr>
@@ -2102,13 +1848,7 @@
       </p:sp>
       <p:sp>
         <p:nvSpPr>
-          <p:cNvPr id="4" name="Foliennummernplatzhalter 3">
-            <a:extLst>
-              <a:ext uri="{FF2B5EF4-FFF2-40B4-BE49-F238E27FC236}">
-                <a16:creationId xmlns:a16="http://schemas.microsoft.com/office/drawing/2014/main" id="{8333DD71-4C97-4838-9B42-9750152933CC}"/>
-              </a:ext>
-            </a:extLst>
-          </p:cNvPr>
+          <p:cNvPr id="4" name="Slide Number Placeholder 3"/>
           <p:cNvSpPr>
             <a:spLocks noGrp="1"/>
           </p:cNvSpPr>
@@ -2132,7 +1872,7 @@
     </p:spTree>
     <p:extLst>
       <p:ext uri="{BB962C8B-B14F-4D97-AF65-F5344CB8AC3E}">
-        <p14:creationId xmlns:p14="http://schemas.microsoft.com/office/powerpoint/2010/main" val="1891959596"/>
+        <p14:creationId xmlns:p14="http://schemas.microsoft.com/office/powerpoint/2010/main" val="57991088"/>
       </p:ext>
     </p:extLst>
   </p:cSld>
@@ -2161,13 +1901,7 @@
       </p:grpSpPr>
       <p:sp>
         <p:nvSpPr>
-          <p:cNvPr id="2" name="Titel 1">
-            <a:extLst>
-              <a:ext uri="{FF2B5EF4-FFF2-40B4-BE49-F238E27FC236}">
-                <a16:creationId xmlns:a16="http://schemas.microsoft.com/office/drawing/2014/main" id="{1D255622-ADA3-46E9-9BF9-EAD92FB3C149}"/>
-              </a:ext>
-            </a:extLst>
-          </p:cNvPr>
+          <p:cNvPr id="2" name="Title 1"/>
           <p:cNvSpPr>
             <a:spLocks noGrp="1"/>
           </p:cNvSpPr>
@@ -2177,15 +1911,15 @@
         </p:nvSpPr>
         <p:spPr>
           <a:xfrm>
-            <a:off x="839788" y="457200"/>
-            <a:ext cx="3932237" cy="1600200"/>
+            <a:off x="736455" y="456036"/>
+            <a:ext cx="3448388" cy="1596126"/>
           </a:xfrm>
         </p:spPr>
         <p:txBody>
           <a:bodyPr anchor="b"/>
           <a:lstStyle>
             <a:lvl1pPr>
-              <a:defRPr sz="3200"/>
+              <a:defRPr sz="2806"/>
             </a:lvl1pPr>
           </a:lstStyle>
           <a:p>
@@ -2193,18 +1927,13 @@
               <a:rPr lang="de-DE"/>
               <a:t>Mastertitelformat bearbeiten</a:t>
             </a:r>
-          </a:p>
-        </p:txBody>
-      </p:sp>
-      <p:sp>
-        <p:nvSpPr>
-          <p:cNvPr id="3" name="Inhaltsplatzhalter 2">
-            <a:extLst>
-              <a:ext uri="{FF2B5EF4-FFF2-40B4-BE49-F238E27FC236}">
-                <a16:creationId xmlns:a16="http://schemas.microsoft.com/office/drawing/2014/main" id="{44219709-FD33-42D3-842E-6E85A9B56F03}"/>
-              </a:ext>
-            </a:extLst>
-          </p:cNvPr>
+            <a:endParaRPr lang="en-US" dirty="0"/>
+          </a:p>
+        </p:txBody>
+      </p:sp>
+      <p:sp>
+        <p:nvSpPr>
+          <p:cNvPr id="3" name="Content Placeholder 2"/>
           <p:cNvSpPr>
             <a:spLocks noGrp="1"/>
           </p:cNvSpPr>
@@ -2214,39 +1943,39 @@
         </p:nvSpPr>
         <p:spPr>
           <a:xfrm>
-            <a:off x="5183188" y="987425"/>
-            <a:ext cx="6172200" cy="4873625"/>
+            <a:off x="4545413" y="984911"/>
+            <a:ext cx="5412730" cy="4861216"/>
           </a:xfrm>
         </p:spPr>
         <p:txBody>
           <a:bodyPr/>
           <a:lstStyle>
             <a:lvl1pPr>
-              <a:defRPr sz="3200"/>
+              <a:defRPr sz="2806"/>
             </a:lvl1pPr>
             <a:lvl2pPr>
-              <a:defRPr sz="2800"/>
+              <a:defRPr sz="2456"/>
             </a:lvl2pPr>
             <a:lvl3pPr>
-              <a:defRPr sz="2400"/>
+              <a:defRPr sz="2105"/>
             </a:lvl3pPr>
             <a:lvl4pPr>
-              <a:defRPr sz="2000"/>
+              <a:defRPr sz="1754"/>
             </a:lvl4pPr>
             <a:lvl5pPr>
-              <a:defRPr sz="2000"/>
+              <a:defRPr sz="1754"/>
             </a:lvl5pPr>
             <a:lvl6pPr>
-              <a:defRPr sz="2000"/>
+              <a:defRPr sz="1754"/>
             </a:lvl6pPr>
             <a:lvl7pPr>
-              <a:defRPr sz="2000"/>
+              <a:defRPr sz="1754"/>
             </a:lvl7pPr>
             <a:lvl8pPr>
-              <a:defRPr sz="2000"/>
+              <a:defRPr sz="1754"/>
             </a:lvl8pPr>
             <a:lvl9pPr>
-              <a:defRPr sz="2000"/>
+              <a:defRPr sz="1754"/>
             </a:lvl9pPr>
           </a:lstStyle>
           <a:p>
@@ -2283,18 +2012,13 @@
               <a:rPr lang="de-DE"/>
               <a:t>Fünfte Ebene</a:t>
             </a:r>
-          </a:p>
-        </p:txBody>
-      </p:sp>
-      <p:sp>
-        <p:nvSpPr>
-          <p:cNvPr id="4" name="Textplatzhalter 3">
-            <a:extLst>
-              <a:ext uri="{FF2B5EF4-FFF2-40B4-BE49-F238E27FC236}">
-                <a16:creationId xmlns:a16="http://schemas.microsoft.com/office/drawing/2014/main" id="{0D40C968-30CC-4802-9239-1033795B6616}"/>
-              </a:ext>
-            </a:extLst>
-          </p:cNvPr>
+            <a:endParaRPr lang="en-US" dirty="0"/>
+          </a:p>
+        </p:txBody>
+      </p:sp>
+      <p:sp>
+        <p:nvSpPr>
+          <p:cNvPr id="4" name="Text Placeholder 3"/>
           <p:cNvSpPr>
             <a:spLocks noGrp="1"/>
           </p:cNvSpPr>
@@ -2304,8 +2028,8 @@
         </p:nvSpPr>
         <p:spPr>
           <a:xfrm>
-            <a:off x="839788" y="2057400"/>
-            <a:ext cx="3932237" cy="3811588"/>
+            <a:off x="736455" y="2052161"/>
+            <a:ext cx="3448388" cy="3801883"/>
           </a:xfrm>
         </p:spPr>
         <p:txBody>
@@ -2313,39 +2037,39 @@
           <a:lstStyle>
             <a:lvl1pPr marL="0" indent="0">
               <a:buNone/>
-              <a:defRPr sz="1600"/>
+              <a:defRPr sz="1403"/>
             </a:lvl1pPr>
-            <a:lvl2pPr marL="457200" indent="0">
-              <a:buNone/>
-              <a:defRPr sz="1400"/>
+            <a:lvl2pPr marL="400964" indent="0">
+              <a:buNone/>
+              <a:defRPr sz="1228"/>
             </a:lvl2pPr>
-            <a:lvl3pPr marL="914400" indent="0">
-              <a:buNone/>
-              <a:defRPr sz="1200"/>
+            <a:lvl3pPr marL="801929" indent="0">
+              <a:buNone/>
+              <a:defRPr sz="1052"/>
             </a:lvl3pPr>
-            <a:lvl4pPr marL="1371600" indent="0">
-              <a:buNone/>
-              <a:defRPr sz="1000"/>
+            <a:lvl4pPr marL="1202893" indent="0">
+              <a:buNone/>
+              <a:defRPr sz="877"/>
             </a:lvl4pPr>
-            <a:lvl5pPr marL="1828800" indent="0">
-              <a:buNone/>
-              <a:defRPr sz="1000"/>
+            <a:lvl5pPr marL="1603858" indent="0">
+              <a:buNone/>
+              <a:defRPr sz="877"/>
             </a:lvl5pPr>
-            <a:lvl6pPr marL="2286000" indent="0">
-              <a:buNone/>
-              <a:defRPr sz="1000"/>
+            <a:lvl6pPr marL="2004822" indent="0">
+              <a:buNone/>
+              <a:defRPr sz="877"/>
             </a:lvl6pPr>
-            <a:lvl7pPr marL="2743200" indent="0">
-              <a:buNone/>
-              <a:defRPr sz="1000"/>
+            <a:lvl7pPr marL="2405786" indent="0">
+              <a:buNone/>
+              <a:defRPr sz="877"/>
             </a:lvl7pPr>
-            <a:lvl8pPr marL="3200400" indent="0">
-              <a:buNone/>
-              <a:defRPr sz="1000"/>
+            <a:lvl8pPr marL="2806751" indent="0">
+              <a:buNone/>
+              <a:defRPr sz="877"/>
             </a:lvl8pPr>
-            <a:lvl9pPr marL="3657600" indent="0">
-              <a:buNone/>
-              <a:defRPr sz="1000"/>
+            <a:lvl9pPr marL="3207715" indent="0">
+              <a:buNone/>
+              <a:defRPr sz="877"/>
             </a:lvl9pPr>
           </a:lstStyle>
           <a:p>
@@ -2359,13 +2083,7 @@
       </p:sp>
       <p:sp>
         <p:nvSpPr>
-          <p:cNvPr id="5" name="Datumsplatzhalter 4">
-            <a:extLst>
-              <a:ext uri="{FF2B5EF4-FFF2-40B4-BE49-F238E27FC236}">
-                <a16:creationId xmlns:a16="http://schemas.microsoft.com/office/drawing/2014/main" id="{3BCAC1F0-2A4F-4148-B995-D0C3F666ACA9}"/>
-              </a:ext>
-            </a:extLst>
-          </p:cNvPr>
+          <p:cNvPr id="5" name="Date Placeholder 4"/>
           <p:cNvSpPr>
             <a:spLocks noGrp="1"/>
           </p:cNvSpPr>
@@ -2388,13 +2106,7 @@
       </p:sp>
       <p:sp>
         <p:nvSpPr>
-          <p:cNvPr id="6" name="Fußzeilenplatzhalter 5">
-            <a:extLst>
-              <a:ext uri="{FF2B5EF4-FFF2-40B4-BE49-F238E27FC236}">
-                <a16:creationId xmlns:a16="http://schemas.microsoft.com/office/drawing/2014/main" id="{7AFF609C-47B6-4F80-B788-2E027AAD0BE9}"/>
-              </a:ext>
-            </a:extLst>
-          </p:cNvPr>
+          <p:cNvPr id="6" name="Footer Placeholder 5"/>
           <p:cNvSpPr>
             <a:spLocks noGrp="1"/>
           </p:cNvSpPr>
@@ -2413,13 +2125,7 @@
       </p:sp>
       <p:sp>
         <p:nvSpPr>
-          <p:cNvPr id="7" name="Foliennummernplatzhalter 6">
-            <a:extLst>
-              <a:ext uri="{FF2B5EF4-FFF2-40B4-BE49-F238E27FC236}">
-                <a16:creationId xmlns:a16="http://schemas.microsoft.com/office/drawing/2014/main" id="{785CF0CF-09E2-4A7F-93BC-67938D496E7B}"/>
-              </a:ext>
-            </a:extLst>
-          </p:cNvPr>
+          <p:cNvPr id="7" name="Slide Number Placeholder 6"/>
           <p:cNvSpPr>
             <a:spLocks noGrp="1"/>
           </p:cNvSpPr>
@@ -2443,7 +2149,7 @@
     </p:spTree>
     <p:extLst>
       <p:ext uri="{BB962C8B-B14F-4D97-AF65-F5344CB8AC3E}">
-        <p14:creationId xmlns:p14="http://schemas.microsoft.com/office/powerpoint/2010/main" val="2119304469"/>
+        <p14:creationId xmlns:p14="http://schemas.microsoft.com/office/powerpoint/2010/main" val="2011909396"/>
       </p:ext>
     </p:extLst>
   </p:cSld>
@@ -2472,13 +2178,7 @@
       </p:grpSpPr>
       <p:sp>
         <p:nvSpPr>
-          <p:cNvPr id="2" name="Titel 1">
-            <a:extLst>
-              <a:ext uri="{FF2B5EF4-FFF2-40B4-BE49-F238E27FC236}">
-                <a16:creationId xmlns:a16="http://schemas.microsoft.com/office/drawing/2014/main" id="{56C19070-504E-4679-9354-880CC8620551}"/>
-              </a:ext>
-            </a:extLst>
-          </p:cNvPr>
+          <p:cNvPr id="2" name="Title 1"/>
           <p:cNvSpPr>
             <a:spLocks noGrp="1"/>
           </p:cNvSpPr>
@@ -2488,15 +2188,15 @@
         </p:nvSpPr>
         <p:spPr>
           <a:xfrm>
-            <a:off x="839788" y="457200"/>
-            <a:ext cx="3932237" cy="1600200"/>
+            <a:off x="736455" y="456036"/>
+            <a:ext cx="3448388" cy="1596126"/>
           </a:xfrm>
         </p:spPr>
         <p:txBody>
           <a:bodyPr anchor="b"/>
           <a:lstStyle>
             <a:lvl1pPr>
-              <a:defRPr sz="3200"/>
+              <a:defRPr sz="2806"/>
             </a:lvl1pPr>
           </a:lstStyle>
           <a:p>
@@ -2504,20 +2204,15 @@
               <a:rPr lang="de-DE"/>
               <a:t>Mastertitelformat bearbeiten</a:t>
             </a:r>
-          </a:p>
-        </p:txBody>
-      </p:sp>
-      <p:sp>
-        <p:nvSpPr>
-          <p:cNvPr id="3" name="Bildplatzhalter 2">
-            <a:extLst>
-              <a:ext uri="{FF2B5EF4-FFF2-40B4-BE49-F238E27FC236}">
-                <a16:creationId xmlns:a16="http://schemas.microsoft.com/office/drawing/2014/main" id="{6AAF09DE-FCB7-4280-AEC5-81AB2F5671F1}"/>
-              </a:ext>
-            </a:extLst>
-          </p:cNvPr>
-          <p:cNvSpPr>
-            <a:spLocks noGrp="1"/>
+            <a:endParaRPr lang="en-US" dirty="0"/>
+          </a:p>
+        </p:txBody>
+      </p:sp>
+      <p:sp>
+        <p:nvSpPr>
+          <p:cNvPr id="3" name="Picture Placeholder 2"/>
+          <p:cNvSpPr>
+            <a:spLocks noGrp="1" noChangeAspect="1"/>
           </p:cNvSpPr>
           <p:nvPr>
             <p:ph type="pic" idx="1"/>
@@ -2525,8 +2220,73 @@
         </p:nvSpPr>
         <p:spPr>
           <a:xfrm>
-            <a:off x="5183188" y="987425"/>
-            <a:ext cx="6172200" cy="4873625"/>
+            <a:off x="4545413" y="984911"/>
+            <a:ext cx="5412730" cy="4861216"/>
+          </a:xfrm>
+        </p:spPr>
+        <p:txBody>
+          <a:bodyPr anchor="t"/>
+          <a:lstStyle>
+            <a:lvl1pPr marL="0" indent="0">
+              <a:buNone/>
+              <a:defRPr sz="2806"/>
+            </a:lvl1pPr>
+            <a:lvl2pPr marL="400964" indent="0">
+              <a:buNone/>
+              <a:defRPr sz="2456"/>
+            </a:lvl2pPr>
+            <a:lvl3pPr marL="801929" indent="0">
+              <a:buNone/>
+              <a:defRPr sz="2105"/>
+            </a:lvl3pPr>
+            <a:lvl4pPr marL="1202893" indent="0">
+              <a:buNone/>
+              <a:defRPr sz="1754"/>
+            </a:lvl4pPr>
+            <a:lvl5pPr marL="1603858" indent="0">
+              <a:buNone/>
+              <a:defRPr sz="1754"/>
+            </a:lvl5pPr>
+            <a:lvl6pPr marL="2004822" indent="0">
+              <a:buNone/>
+              <a:defRPr sz="1754"/>
+            </a:lvl6pPr>
+            <a:lvl7pPr marL="2405786" indent="0">
+              <a:buNone/>
+              <a:defRPr sz="1754"/>
+            </a:lvl7pPr>
+            <a:lvl8pPr marL="2806751" indent="0">
+              <a:buNone/>
+              <a:defRPr sz="1754"/>
+            </a:lvl8pPr>
+            <a:lvl9pPr marL="3207715" indent="0">
+              <a:buNone/>
+              <a:defRPr sz="1754"/>
+            </a:lvl9pPr>
+          </a:lstStyle>
+          <a:p>
+            <a:r>
+              <a:rPr lang="de-DE"/>
+              <a:t>Bild durch Klicken auf Symbol hinzufügen</a:t>
+            </a:r>
+            <a:endParaRPr lang="en-US" dirty="0"/>
+          </a:p>
+        </p:txBody>
+      </p:sp>
+      <p:sp>
+        <p:nvSpPr>
+          <p:cNvPr id="4" name="Text Placeholder 3"/>
+          <p:cNvSpPr>
+            <a:spLocks noGrp="1"/>
+          </p:cNvSpPr>
+          <p:nvPr>
+            <p:ph type="body" sz="half" idx="2"/>
+          </p:nvPr>
+        </p:nvSpPr>
+        <p:spPr>
+          <a:xfrm>
+            <a:off x="736455" y="2052161"/>
+            <a:ext cx="3448388" cy="3801883"/>
           </a:xfrm>
         </p:spPr>
         <p:txBody>
@@ -2534,109 +2294,42 @@
           <a:lstStyle>
             <a:lvl1pPr marL="0" indent="0">
               <a:buNone/>
-              <a:defRPr sz="3200"/>
+              <a:defRPr sz="1403"/>
             </a:lvl1pPr>
-            <a:lvl2pPr marL="457200" indent="0">
-              <a:buNone/>
-              <a:defRPr sz="2800"/>
+            <a:lvl2pPr marL="400964" indent="0">
+              <a:buNone/>
+              <a:defRPr sz="1228"/>
             </a:lvl2pPr>
-            <a:lvl3pPr marL="914400" indent="0">
-              <a:buNone/>
-              <a:defRPr sz="2400"/>
+            <a:lvl3pPr marL="801929" indent="0">
+              <a:buNone/>
+              <a:defRPr sz="1052"/>
             </a:lvl3pPr>
-            <a:lvl4pPr marL="1371600" indent="0">
-              <a:buNone/>
-              <a:defRPr sz="2000"/>
+            <a:lvl4pPr marL="1202893" indent="0">
+              <a:buNone/>
+              <a:defRPr sz="877"/>
             </a:lvl4pPr>
-            <a:lvl5pPr marL="1828800" indent="0">
-              <a:buNone/>
-              <a:defRPr sz="2000"/>
+            <a:lvl5pPr marL="1603858" indent="0">
+              <a:buNone/>
+              <a:defRPr sz="877"/>
             </a:lvl5pPr>
-            <a:lvl6pPr marL="2286000" indent="0">
-              <a:buNone/>
-              <a:defRPr sz="2000"/>
+            <a:lvl6pPr marL="2004822" indent="0">
+              <a:buNone/>
+              <a:defRPr sz="877"/>
             </a:lvl6pPr>
-            <a:lvl7pPr marL="2743200" indent="0">
-              <a:buNone/>
-              <a:defRPr sz="2000"/>
+            <a:lvl7pPr marL="2405786" indent="0">
+              <a:buNone/>
+              <a:defRPr sz="877"/>
             </a:lvl7pPr>
-            <a:lvl8pPr marL="3200400" indent="0">
-              <a:buNone/>
-              <a:defRPr sz="2000"/>
+            <a:lvl8pPr marL="2806751" indent="0">
+              <a:buNone/>
+              <a:defRPr sz="877"/>
             </a:lvl8pPr>
-            <a:lvl9pPr marL="3657600" indent="0">
-              <a:buNone/>
-              <a:defRPr sz="2000"/>
+            <a:lvl9pPr marL="3207715" indent="0">
+              <a:buNone/>
+              <a:defRPr sz="877"/>
             </a:lvl9pPr>
           </a:lstStyle>
           <a:p>
-            <a:endParaRPr lang="de-DE"/>
-          </a:p>
-        </p:txBody>
-      </p:sp>
-      <p:sp>
-        <p:nvSpPr>
-          <p:cNvPr id="4" name="Textplatzhalter 3">
-            <a:extLst>
-              <a:ext uri="{FF2B5EF4-FFF2-40B4-BE49-F238E27FC236}">
-                <a16:creationId xmlns:a16="http://schemas.microsoft.com/office/drawing/2014/main" id="{71114B3A-4453-4FB3-94E8-62121F1E5733}"/>
-              </a:ext>
-            </a:extLst>
-          </p:cNvPr>
-          <p:cNvSpPr>
-            <a:spLocks noGrp="1"/>
-          </p:cNvSpPr>
-          <p:nvPr>
-            <p:ph type="body" sz="half" idx="2"/>
-          </p:nvPr>
-        </p:nvSpPr>
-        <p:spPr>
-          <a:xfrm>
-            <a:off x="839788" y="2057400"/>
-            <a:ext cx="3932237" cy="3811588"/>
-          </a:xfrm>
-        </p:spPr>
-        <p:txBody>
-          <a:bodyPr/>
-          <a:lstStyle>
-            <a:lvl1pPr marL="0" indent="0">
-              <a:buNone/>
-              <a:defRPr sz="1600"/>
-            </a:lvl1pPr>
-            <a:lvl2pPr marL="457200" indent="0">
-              <a:buNone/>
-              <a:defRPr sz="1400"/>
-            </a:lvl2pPr>
-            <a:lvl3pPr marL="914400" indent="0">
-              <a:buNone/>
-              <a:defRPr sz="1200"/>
-            </a:lvl3pPr>
-            <a:lvl4pPr marL="1371600" indent="0">
-              <a:buNone/>
-              <a:defRPr sz="1000"/>
-            </a:lvl4pPr>
-            <a:lvl5pPr marL="1828800" indent="0">
-              <a:buNone/>
-              <a:defRPr sz="1000"/>
-            </a:lvl5pPr>
-            <a:lvl6pPr marL="2286000" indent="0">
-              <a:buNone/>
-              <a:defRPr sz="1000"/>
-            </a:lvl6pPr>
-            <a:lvl7pPr marL="2743200" indent="0">
-              <a:buNone/>
-              <a:defRPr sz="1000"/>
-            </a:lvl7pPr>
-            <a:lvl8pPr marL="3200400" indent="0">
-              <a:buNone/>
-              <a:defRPr sz="1000"/>
-            </a:lvl8pPr>
-            <a:lvl9pPr marL="3657600" indent="0">
-              <a:buNone/>
-              <a:defRPr sz="1000"/>
-            </a:lvl9pPr>
-          </a:lstStyle>
-          <a:p>
             <a:pPr lvl="0"/>
             <a:r>
               <a:rPr lang="de-DE"/>
@@ -2647,13 +2340,7 @@
       </p:sp>
       <p:sp>
         <p:nvSpPr>
-          <p:cNvPr id="5" name="Datumsplatzhalter 4">
-            <a:extLst>
-              <a:ext uri="{FF2B5EF4-FFF2-40B4-BE49-F238E27FC236}">
-                <a16:creationId xmlns:a16="http://schemas.microsoft.com/office/drawing/2014/main" id="{B6930A44-F47F-4045-B5A4-93034862FA8E}"/>
-              </a:ext>
-            </a:extLst>
-          </p:cNvPr>
+          <p:cNvPr id="5" name="Date Placeholder 4"/>
           <p:cNvSpPr>
             <a:spLocks noGrp="1"/>
           </p:cNvSpPr>
@@ -2676,13 +2363,7 @@
       </p:sp>
       <p:sp>
         <p:nvSpPr>
-          <p:cNvPr id="6" name="Fußzeilenplatzhalter 5">
-            <a:extLst>
-              <a:ext uri="{FF2B5EF4-FFF2-40B4-BE49-F238E27FC236}">
-                <a16:creationId xmlns:a16="http://schemas.microsoft.com/office/drawing/2014/main" id="{80DCF462-C6F3-4EF3-901A-F0FC7C6E234F}"/>
-              </a:ext>
-            </a:extLst>
-          </p:cNvPr>
+          <p:cNvPr id="6" name="Footer Placeholder 5"/>
           <p:cNvSpPr>
             <a:spLocks noGrp="1"/>
           </p:cNvSpPr>
@@ -2701,13 +2382,7 @@
       </p:sp>
       <p:sp>
         <p:nvSpPr>
-          <p:cNvPr id="7" name="Foliennummernplatzhalter 6">
-            <a:extLst>
-              <a:ext uri="{FF2B5EF4-FFF2-40B4-BE49-F238E27FC236}">
-                <a16:creationId xmlns:a16="http://schemas.microsoft.com/office/drawing/2014/main" id="{D1671CE3-6C4E-47DB-971A-F195F786A353}"/>
-              </a:ext>
-            </a:extLst>
-          </p:cNvPr>
+          <p:cNvPr id="7" name="Slide Number Placeholder 6"/>
           <p:cNvSpPr>
             <a:spLocks noGrp="1"/>
           </p:cNvSpPr>
@@ -2731,7 +2406,7 @@
     </p:spTree>
     <p:extLst>
       <p:ext uri="{BB962C8B-B14F-4D97-AF65-F5344CB8AC3E}">
-        <p14:creationId xmlns:p14="http://schemas.microsoft.com/office/powerpoint/2010/main" val="3793219441"/>
+        <p14:creationId xmlns:p14="http://schemas.microsoft.com/office/powerpoint/2010/main" val="732928059"/>
       </p:ext>
     </p:extLst>
   </p:cSld>
@@ -2765,13 +2440,7 @@
       </p:grpSpPr>
       <p:sp>
         <p:nvSpPr>
-          <p:cNvPr id="2" name="Titelplatzhalter 1">
-            <a:extLst>
-              <a:ext uri="{FF2B5EF4-FFF2-40B4-BE49-F238E27FC236}">
-                <a16:creationId xmlns:a16="http://schemas.microsoft.com/office/drawing/2014/main" id="{E81FB600-187F-4CA8-BC2D-F5A406A05438}"/>
-              </a:ext>
-            </a:extLst>
-          </p:cNvPr>
+          <p:cNvPr id="2" name="Title Placeholder 1"/>
           <p:cNvSpPr>
             <a:spLocks noGrp="1"/>
           </p:cNvSpPr>
@@ -2781,8 +2450,8 @@
         </p:nvSpPr>
         <p:spPr>
           <a:xfrm>
-            <a:off x="838200" y="365125"/>
-            <a:ext cx="10515600" cy="1325563"/>
+            <a:off x="735062" y="364196"/>
+            <a:ext cx="9221689" cy="1322188"/>
           </a:xfrm>
           <a:prstGeom prst="rect">
             <a:avLst/>
@@ -2798,18 +2467,13 @@
               <a:rPr lang="de-DE"/>
               <a:t>Mastertitelformat bearbeiten</a:t>
             </a:r>
-          </a:p>
-        </p:txBody>
-      </p:sp>
-      <p:sp>
-        <p:nvSpPr>
-          <p:cNvPr id="3" name="Textplatzhalter 2">
-            <a:extLst>
-              <a:ext uri="{FF2B5EF4-FFF2-40B4-BE49-F238E27FC236}">
-                <a16:creationId xmlns:a16="http://schemas.microsoft.com/office/drawing/2014/main" id="{FFAC4251-4F51-4A1E-ABDB-A41AF22AF58C}"/>
-              </a:ext>
-            </a:extLst>
-          </p:cNvPr>
+            <a:endParaRPr lang="en-US" dirty="0"/>
+          </a:p>
+        </p:txBody>
+      </p:sp>
+      <p:sp>
+        <p:nvSpPr>
+          <p:cNvPr id="3" name="Text Placeholder 2"/>
           <p:cNvSpPr>
             <a:spLocks noGrp="1"/>
           </p:cNvSpPr>
@@ -2819,8 +2483,8 @@
         </p:nvSpPr>
         <p:spPr>
           <a:xfrm>
-            <a:off x="838200" y="1825625"/>
-            <a:ext cx="10515600" cy="4351338"/>
+            <a:off x="735062" y="1820976"/>
+            <a:ext cx="9221689" cy="4340259"/>
           </a:xfrm>
           <a:prstGeom prst="rect">
             <a:avLst/>
@@ -2865,18 +2529,13 @@
               <a:rPr lang="de-DE"/>
               <a:t>Fünfte Ebene</a:t>
             </a:r>
-          </a:p>
-        </p:txBody>
-      </p:sp>
-      <p:sp>
-        <p:nvSpPr>
-          <p:cNvPr id="4" name="Datumsplatzhalter 3">
-            <a:extLst>
-              <a:ext uri="{FF2B5EF4-FFF2-40B4-BE49-F238E27FC236}">
-                <a16:creationId xmlns:a16="http://schemas.microsoft.com/office/drawing/2014/main" id="{E5A9F10D-3393-4917-A5B8-C30B7ED34AEB}"/>
-              </a:ext>
-            </a:extLst>
-          </p:cNvPr>
+            <a:endParaRPr lang="en-US" dirty="0"/>
+          </a:p>
+        </p:txBody>
+      </p:sp>
+      <p:sp>
+        <p:nvSpPr>
+          <p:cNvPr id="4" name="Date Placeholder 3"/>
           <p:cNvSpPr>
             <a:spLocks noGrp="1"/>
           </p:cNvSpPr>
@@ -2886,8 +2545,8 @@
         </p:nvSpPr>
         <p:spPr>
           <a:xfrm>
-            <a:off x="838200" y="6356350"/>
-            <a:ext cx="2743200" cy="365125"/>
+            <a:off x="735062" y="6340166"/>
+            <a:ext cx="2405658" cy="364195"/>
           </a:xfrm>
           <a:prstGeom prst="rect">
             <a:avLst/>
@@ -2897,7 +2556,7 @@
           <a:bodyPr vert="horz" lIns="91440" tIns="45720" rIns="91440" bIns="45720" rtlCol="0" anchor="ctr"/>
           <a:lstStyle>
             <a:lvl1pPr algn="l">
-              <a:defRPr sz="1200">
+              <a:defRPr sz="1052">
                 <a:solidFill>
                   <a:schemeClr val="tx1">
                     <a:tint val="75000"/>
@@ -2917,13 +2576,7 @@
       </p:sp>
       <p:sp>
         <p:nvSpPr>
-          <p:cNvPr id="5" name="Fußzeilenplatzhalter 4">
-            <a:extLst>
-              <a:ext uri="{FF2B5EF4-FFF2-40B4-BE49-F238E27FC236}">
-                <a16:creationId xmlns:a16="http://schemas.microsoft.com/office/drawing/2014/main" id="{616BE96C-C1B2-4368-A043-9DE165261053}"/>
-              </a:ext>
-            </a:extLst>
-          </p:cNvPr>
+          <p:cNvPr id="5" name="Footer Placeholder 4"/>
           <p:cNvSpPr>
             <a:spLocks noGrp="1"/>
           </p:cNvSpPr>
@@ -2933,8 +2586,8 @@
         </p:nvSpPr>
         <p:spPr>
           <a:xfrm>
-            <a:off x="4038600" y="6356350"/>
-            <a:ext cx="4114800" cy="365125"/>
+            <a:off x="3541663" y="6340166"/>
+            <a:ext cx="3608487" cy="364195"/>
           </a:xfrm>
           <a:prstGeom prst="rect">
             <a:avLst/>
@@ -2944,7 +2597,7 @@
           <a:bodyPr vert="horz" lIns="91440" tIns="45720" rIns="91440" bIns="45720" rtlCol="0" anchor="ctr"/>
           <a:lstStyle>
             <a:lvl1pPr algn="ctr">
-              <a:defRPr sz="1200">
+              <a:defRPr sz="1052">
                 <a:solidFill>
                   <a:schemeClr val="tx1">
                     <a:tint val="75000"/>
@@ -2960,13 +2613,7 @@
       </p:sp>
       <p:sp>
         <p:nvSpPr>
-          <p:cNvPr id="6" name="Foliennummernplatzhalter 5">
-            <a:extLst>
-              <a:ext uri="{FF2B5EF4-FFF2-40B4-BE49-F238E27FC236}">
-                <a16:creationId xmlns:a16="http://schemas.microsoft.com/office/drawing/2014/main" id="{E6BFBE4B-A455-4A3D-AA91-8B501BA438DA}"/>
-              </a:ext>
-            </a:extLst>
-          </p:cNvPr>
+          <p:cNvPr id="6" name="Slide Number Placeholder 5"/>
           <p:cNvSpPr>
             <a:spLocks noGrp="1"/>
           </p:cNvSpPr>
@@ -2976,8 +2623,8 @@
         </p:nvSpPr>
         <p:spPr>
           <a:xfrm>
-            <a:off x="8610600" y="6356350"/>
-            <a:ext cx="2743200" cy="365125"/>
+            <a:off x="7551093" y="6340166"/>
+            <a:ext cx="2405658" cy="364195"/>
           </a:xfrm>
           <a:prstGeom prst="rect">
             <a:avLst/>
@@ -2987,7 +2634,7 @@
           <a:bodyPr vert="horz" lIns="91440" tIns="45720" rIns="91440" bIns="45720" rtlCol="0" anchor="ctr"/>
           <a:lstStyle>
             <a:lvl1pPr algn="r">
-              <a:defRPr sz="1200">
+              <a:defRPr sz="1052">
                 <a:solidFill>
                   <a:schemeClr val="tx1">
                     <a:tint val="75000"/>
@@ -3008,27 +2655,27 @@
     </p:spTree>
     <p:extLst>
       <p:ext uri="{BB962C8B-B14F-4D97-AF65-F5344CB8AC3E}">
-        <p14:creationId xmlns:p14="http://schemas.microsoft.com/office/powerpoint/2010/main" val="3730816226"/>
+        <p14:creationId xmlns:p14="http://schemas.microsoft.com/office/powerpoint/2010/main" val="1528501033"/>
       </p:ext>
     </p:extLst>
   </p:cSld>
   <p:clrMap bg1="lt1" tx1="dk1" bg2="lt2" tx2="dk2" accent1="accent1" accent2="accent2" accent3="accent3" accent4="accent4" accent5="accent5" accent6="accent6" hlink="hlink" folHlink="folHlink"/>
   <p:sldLayoutIdLst>
-    <p:sldLayoutId id="2147483649" r:id="rId1"/>
-    <p:sldLayoutId id="2147483650" r:id="rId2"/>
-    <p:sldLayoutId id="2147483651" r:id="rId3"/>
-    <p:sldLayoutId id="2147483652" r:id="rId4"/>
-    <p:sldLayoutId id="2147483653" r:id="rId5"/>
-    <p:sldLayoutId id="2147483654" r:id="rId6"/>
-    <p:sldLayoutId id="2147483655" r:id="rId7"/>
-    <p:sldLayoutId id="2147483656" r:id="rId8"/>
-    <p:sldLayoutId id="2147483657" r:id="rId9"/>
-    <p:sldLayoutId id="2147483658" r:id="rId10"/>
-    <p:sldLayoutId id="2147483659" r:id="rId11"/>
+    <p:sldLayoutId id="2147483673" r:id="rId1"/>
+    <p:sldLayoutId id="2147483674" r:id="rId2"/>
+    <p:sldLayoutId id="2147483675" r:id="rId3"/>
+    <p:sldLayoutId id="2147483676" r:id="rId4"/>
+    <p:sldLayoutId id="2147483677" r:id="rId5"/>
+    <p:sldLayoutId id="2147483678" r:id="rId6"/>
+    <p:sldLayoutId id="2147483679" r:id="rId7"/>
+    <p:sldLayoutId id="2147483680" r:id="rId8"/>
+    <p:sldLayoutId id="2147483681" r:id="rId9"/>
+    <p:sldLayoutId id="2147483682" r:id="rId10"/>
+    <p:sldLayoutId id="2147483683" r:id="rId11"/>
   </p:sldLayoutIdLst>
   <p:txStyles>
     <p:titleStyle>
-      <a:lvl1pPr algn="l" defTabSz="914400" rtl="0" eaLnBrk="1" latinLnBrk="0" hangingPunct="1">
+      <a:lvl1pPr algn="l" defTabSz="801929" rtl="0" eaLnBrk="1" latinLnBrk="0" hangingPunct="1">
         <a:lnSpc>
           <a:spcPct val="90000"/>
         </a:lnSpc>
@@ -3036,7 +2683,7 @@
           <a:spcPct val="0"/>
         </a:spcBef>
         <a:buNone/>
-        <a:defRPr sz="4400" kern="1200">
+        <a:defRPr sz="3859" kern="1200">
           <a:solidFill>
             <a:schemeClr val="tx1"/>
           </a:solidFill>
@@ -3047,16 +2694,16 @@
       </a:lvl1pPr>
     </p:titleStyle>
     <p:bodyStyle>
-      <a:lvl1pPr marL="228600" indent="-228600" algn="l" defTabSz="914400" rtl="0" eaLnBrk="1" latinLnBrk="0" hangingPunct="1">
+      <a:lvl1pPr marL="200482" indent="-200482" algn="l" defTabSz="801929" rtl="0" eaLnBrk="1" latinLnBrk="0" hangingPunct="1">
         <a:lnSpc>
           <a:spcPct val="90000"/>
         </a:lnSpc>
         <a:spcBef>
-          <a:spcPts val="1000"/>
+          <a:spcPts val="877"/>
         </a:spcBef>
         <a:buFont typeface="Arial" panose="020B0604020202020204" pitchFamily="34" charset="0"/>
         <a:buChar char="•"/>
-        <a:defRPr sz="2800" kern="1200">
+        <a:defRPr sz="2456" kern="1200">
           <a:solidFill>
             <a:schemeClr val="tx1"/>
           </a:solidFill>
@@ -3065,16 +2712,16 @@
           <a:cs typeface="+mn-cs"/>
         </a:defRPr>
       </a:lvl1pPr>
-      <a:lvl2pPr marL="685800" indent="-228600" algn="l" defTabSz="914400" rtl="0" eaLnBrk="1" latinLnBrk="0" hangingPunct="1">
+      <a:lvl2pPr marL="601447" indent="-200482" algn="l" defTabSz="801929" rtl="0" eaLnBrk="1" latinLnBrk="0" hangingPunct="1">
         <a:lnSpc>
           <a:spcPct val="90000"/>
         </a:lnSpc>
         <a:spcBef>
-          <a:spcPts val="500"/>
+          <a:spcPts val="439"/>
         </a:spcBef>
         <a:buFont typeface="Arial" panose="020B0604020202020204" pitchFamily="34" charset="0"/>
         <a:buChar char="•"/>
-        <a:defRPr sz="2400" kern="1200">
+        <a:defRPr sz="2105" kern="1200">
           <a:solidFill>
             <a:schemeClr val="tx1"/>
           </a:solidFill>
@@ -3083,16 +2730,16 @@
           <a:cs typeface="+mn-cs"/>
         </a:defRPr>
       </a:lvl2pPr>
-      <a:lvl3pPr marL="1143000" indent="-228600" algn="l" defTabSz="914400" rtl="0" eaLnBrk="1" latinLnBrk="0" hangingPunct="1">
+      <a:lvl3pPr marL="1002411" indent="-200482" algn="l" defTabSz="801929" rtl="0" eaLnBrk="1" latinLnBrk="0" hangingPunct="1">
         <a:lnSpc>
           <a:spcPct val="90000"/>
         </a:lnSpc>
         <a:spcBef>
-          <a:spcPts val="500"/>
+          <a:spcPts val="439"/>
         </a:spcBef>
         <a:buFont typeface="Arial" panose="020B0604020202020204" pitchFamily="34" charset="0"/>
         <a:buChar char="•"/>
-        <a:defRPr sz="2000" kern="1200">
+        <a:defRPr sz="1754" kern="1200">
           <a:solidFill>
             <a:schemeClr val="tx1"/>
           </a:solidFill>
@@ -3101,16 +2748,16 @@
           <a:cs typeface="+mn-cs"/>
         </a:defRPr>
       </a:lvl3pPr>
-      <a:lvl4pPr marL="1600200" indent="-228600" algn="l" defTabSz="914400" rtl="0" eaLnBrk="1" latinLnBrk="0" hangingPunct="1">
+      <a:lvl4pPr marL="1403375" indent="-200482" algn="l" defTabSz="801929" rtl="0" eaLnBrk="1" latinLnBrk="0" hangingPunct="1">
         <a:lnSpc>
           <a:spcPct val="90000"/>
         </a:lnSpc>
         <a:spcBef>
-          <a:spcPts val="500"/>
+          <a:spcPts val="439"/>
         </a:spcBef>
         <a:buFont typeface="Arial" panose="020B0604020202020204" pitchFamily="34" charset="0"/>
         <a:buChar char="•"/>
-        <a:defRPr sz="1800" kern="1200">
+        <a:defRPr sz="1579" kern="1200">
           <a:solidFill>
             <a:schemeClr val="tx1"/>
           </a:solidFill>
@@ -3119,16 +2766,16 @@
           <a:cs typeface="+mn-cs"/>
         </a:defRPr>
       </a:lvl4pPr>
-      <a:lvl5pPr marL="2057400" indent="-228600" algn="l" defTabSz="914400" rtl="0" eaLnBrk="1" latinLnBrk="0" hangingPunct="1">
+      <a:lvl5pPr marL="1804340" indent="-200482" algn="l" defTabSz="801929" rtl="0" eaLnBrk="1" latinLnBrk="0" hangingPunct="1">
         <a:lnSpc>
           <a:spcPct val="90000"/>
         </a:lnSpc>
         <a:spcBef>
-          <a:spcPts val="500"/>
+          <a:spcPts val="439"/>
         </a:spcBef>
         <a:buFont typeface="Arial" panose="020B0604020202020204" pitchFamily="34" charset="0"/>
         <a:buChar char="•"/>
-        <a:defRPr sz="1800" kern="1200">
+        <a:defRPr sz="1579" kern="1200">
           <a:solidFill>
             <a:schemeClr val="tx1"/>
           </a:solidFill>
@@ -3137,16 +2784,16 @@
           <a:cs typeface="+mn-cs"/>
         </a:defRPr>
       </a:lvl5pPr>
-      <a:lvl6pPr marL="2514600" indent="-228600" algn="l" defTabSz="914400" rtl="0" eaLnBrk="1" latinLnBrk="0" hangingPunct="1">
+      <a:lvl6pPr marL="2205304" indent="-200482" algn="l" defTabSz="801929" rtl="0" eaLnBrk="1" latinLnBrk="0" hangingPunct="1">
         <a:lnSpc>
           <a:spcPct val="90000"/>
         </a:lnSpc>
         <a:spcBef>
-          <a:spcPts val="500"/>
+          <a:spcPts val="439"/>
         </a:spcBef>
         <a:buFont typeface="Arial" panose="020B0604020202020204" pitchFamily="34" charset="0"/>
         <a:buChar char="•"/>
-        <a:defRPr sz="1800" kern="1200">
+        <a:defRPr sz="1579" kern="1200">
           <a:solidFill>
             <a:schemeClr val="tx1"/>
           </a:solidFill>
@@ -3155,16 +2802,16 @@
           <a:cs typeface="+mn-cs"/>
         </a:defRPr>
       </a:lvl6pPr>
-      <a:lvl7pPr marL="2971800" indent="-228600" algn="l" defTabSz="914400" rtl="0" eaLnBrk="1" latinLnBrk="0" hangingPunct="1">
+      <a:lvl7pPr marL="2606269" indent="-200482" algn="l" defTabSz="801929" rtl="0" eaLnBrk="1" latinLnBrk="0" hangingPunct="1">
         <a:lnSpc>
           <a:spcPct val="90000"/>
         </a:lnSpc>
         <a:spcBef>
-          <a:spcPts val="500"/>
+          <a:spcPts val="439"/>
         </a:spcBef>
         <a:buFont typeface="Arial" panose="020B0604020202020204" pitchFamily="34" charset="0"/>
         <a:buChar char="•"/>
-        <a:defRPr sz="1800" kern="1200">
+        <a:defRPr sz="1579" kern="1200">
           <a:solidFill>
             <a:schemeClr val="tx1"/>
           </a:solidFill>
@@ -3173,16 +2820,16 @@
           <a:cs typeface="+mn-cs"/>
         </a:defRPr>
       </a:lvl7pPr>
-      <a:lvl8pPr marL="3429000" indent="-228600" algn="l" defTabSz="914400" rtl="0" eaLnBrk="1" latinLnBrk="0" hangingPunct="1">
+      <a:lvl8pPr marL="3007233" indent="-200482" algn="l" defTabSz="801929" rtl="0" eaLnBrk="1" latinLnBrk="0" hangingPunct="1">
         <a:lnSpc>
           <a:spcPct val="90000"/>
         </a:lnSpc>
         <a:spcBef>
-          <a:spcPts val="500"/>
+          <a:spcPts val="439"/>
         </a:spcBef>
         <a:buFont typeface="Arial" panose="020B0604020202020204" pitchFamily="34" charset="0"/>
         <a:buChar char="•"/>
-        <a:defRPr sz="1800" kern="1200">
+        <a:defRPr sz="1579" kern="1200">
           <a:solidFill>
             <a:schemeClr val="tx1"/>
           </a:solidFill>
@@ -3191,16 +2838,16 @@
           <a:cs typeface="+mn-cs"/>
         </a:defRPr>
       </a:lvl8pPr>
-      <a:lvl9pPr marL="3886200" indent="-228600" algn="l" defTabSz="914400" rtl="0" eaLnBrk="1" latinLnBrk="0" hangingPunct="1">
+      <a:lvl9pPr marL="3408197" indent="-200482" algn="l" defTabSz="801929" rtl="0" eaLnBrk="1" latinLnBrk="0" hangingPunct="1">
         <a:lnSpc>
           <a:spcPct val="90000"/>
         </a:lnSpc>
         <a:spcBef>
-          <a:spcPts val="500"/>
+          <a:spcPts val="439"/>
         </a:spcBef>
         <a:buFont typeface="Arial" panose="020B0604020202020204" pitchFamily="34" charset="0"/>
         <a:buChar char="•"/>
-        <a:defRPr sz="1800" kern="1200">
+        <a:defRPr sz="1579" kern="1200">
           <a:solidFill>
             <a:schemeClr val="tx1"/>
           </a:solidFill>
@@ -3212,10 +2859,10 @@
     </p:bodyStyle>
     <p:otherStyle>
       <a:defPPr>
-        <a:defRPr lang="de-DE"/>
+        <a:defRPr lang="en-US"/>
       </a:defPPr>
-      <a:lvl1pPr marL="0" algn="l" defTabSz="914400" rtl="0" eaLnBrk="1" latinLnBrk="0" hangingPunct="1">
-        <a:defRPr sz="1800" kern="1200">
+      <a:lvl1pPr marL="0" algn="l" defTabSz="801929" rtl="0" eaLnBrk="1" latinLnBrk="0" hangingPunct="1">
+        <a:defRPr sz="1579" kern="1200">
           <a:solidFill>
             <a:schemeClr val="tx1"/>
           </a:solidFill>
@@ -3224,8 +2871,8 @@
           <a:cs typeface="+mn-cs"/>
         </a:defRPr>
       </a:lvl1pPr>
-      <a:lvl2pPr marL="457200" algn="l" defTabSz="914400" rtl="0" eaLnBrk="1" latinLnBrk="0" hangingPunct="1">
-        <a:defRPr sz="1800" kern="1200">
+      <a:lvl2pPr marL="400964" algn="l" defTabSz="801929" rtl="0" eaLnBrk="1" latinLnBrk="0" hangingPunct="1">
+        <a:defRPr sz="1579" kern="1200">
           <a:solidFill>
             <a:schemeClr val="tx1"/>
           </a:solidFill>
@@ -3234,8 +2881,8 @@
           <a:cs typeface="+mn-cs"/>
         </a:defRPr>
       </a:lvl2pPr>
-      <a:lvl3pPr marL="914400" algn="l" defTabSz="914400" rtl="0" eaLnBrk="1" latinLnBrk="0" hangingPunct="1">
-        <a:defRPr sz="1800" kern="1200">
+      <a:lvl3pPr marL="801929" algn="l" defTabSz="801929" rtl="0" eaLnBrk="1" latinLnBrk="0" hangingPunct="1">
+        <a:defRPr sz="1579" kern="1200">
           <a:solidFill>
             <a:schemeClr val="tx1"/>
           </a:solidFill>
@@ -3244,8 +2891,8 @@
           <a:cs typeface="+mn-cs"/>
         </a:defRPr>
       </a:lvl3pPr>
-      <a:lvl4pPr marL="1371600" algn="l" defTabSz="914400" rtl="0" eaLnBrk="1" latinLnBrk="0" hangingPunct="1">
-        <a:defRPr sz="1800" kern="1200">
+      <a:lvl4pPr marL="1202893" algn="l" defTabSz="801929" rtl="0" eaLnBrk="1" latinLnBrk="0" hangingPunct="1">
+        <a:defRPr sz="1579" kern="1200">
           <a:solidFill>
             <a:schemeClr val="tx1"/>
           </a:solidFill>
@@ -3254,8 +2901,8 @@
           <a:cs typeface="+mn-cs"/>
         </a:defRPr>
       </a:lvl4pPr>
-      <a:lvl5pPr marL="1828800" algn="l" defTabSz="914400" rtl="0" eaLnBrk="1" latinLnBrk="0" hangingPunct="1">
-        <a:defRPr sz="1800" kern="1200">
+      <a:lvl5pPr marL="1603858" algn="l" defTabSz="801929" rtl="0" eaLnBrk="1" latinLnBrk="0" hangingPunct="1">
+        <a:defRPr sz="1579" kern="1200">
           <a:solidFill>
             <a:schemeClr val="tx1"/>
           </a:solidFill>
@@ -3264,8 +2911,8 @@
           <a:cs typeface="+mn-cs"/>
         </a:defRPr>
       </a:lvl5pPr>
-      <a:lvl6pPr marL="2286000" algn="l" defTabSz="914400" rtl="0" eaLnBrk="1" latinLnBrk="0" hangingPunct="1">
-        <a:defRPr sz="1800" kern="1200">
+      <a:lvl6pPr marL="2004822" algn="l" defTabSz="801929" rtl="0" eaLnBrk="1" latinLnBrk="0" hangingPunct="1">
+        <a:defRPr sz="1579" kern="1200">
           <a:solidFill>
             <a:schemeClr val="tx1"/>
           </a:solidFill>
@@ -3274,8 +2921,8 @@
           <a:cs typeface="+mn-cs"/>
         </a:defRPr>
       </a:lvl6pPr>
-      <a:lvl7pPr marL="2743200" algn="l" defTabSz="914400" rtl="0" eaLnBrk="1" latinLnBrk="0" hangingPunct="1">
-        <a:defRPr sz="1800" kern="1200">
+      <a:lvl7pPr marL="2405786" algn="l" defTabSz="801929" rtl="0" eaLnBrk="1" latinLnBrk="0" hangingPunct="1">
+        <a:defRPr sz="1579" kern="1200">
           <a:solidFill>
             <a:schemeClr val="tx1"/>
           </a:solidFill>
@@ -3284,8 +2931,8 @@
           <a:cs typeface="+mn-cs"/>
         </a:defRPr>
       </a:lvl7pPr>
-      <a:lvl8pPr marL="3200400" algn="l" defTabSz="914400" rtl="0" eaLnBrk="1" latinLnBrk="0" hangingPunct="1">
-        <a:defRPr sz="1800" kern="1200">
+      <a:lvl8pPr marL="2806751" algn="l" defTabSz="801929" rtl="0" eaLnBrk="1" latinLnBrk="0" hangingPunct="1">
+        <a:defRPr sz="1579" kern="1200">
           <a:solidFill>
             <a:schemeClr val="tx1"/>
           </a:solidFill>
@@ -3294,8 +2941,8 @@
           <a:cs typeface="+mn-cs"/>
         </a:defRPr>
       </a:lvl8pPr>
-      <a:lvl9pPr marL="3657600" algn="l" defTabSz="914400" rtl="0" eaLnBrk="1" latinLnBrk="0" hangingPunct="1">
-        <a:defRPr sz="1800" kern="1200">
+      <a:lvl9pPr marL="3207715" algn="l" defTabSz="801929" rtl="0" eaLnBrk="1" latinLnBrk="0" hangingPunct="1">
+        <a:defRPr sz="1579" kern="1200">
           <a:solidFill>
             <a:schemeClr val="tx1"/>
           </a:solidFill>
@@ -3328,10 +2975,10 @@
       </p:grpSpPr>
       <p:sp>
         <p:nvSpPr>
-          <p:cNvPr id="69" name="Rechteck: abgerundete Ecken 68">
+          <p:cNvPr id="80" name="Rechteck: abgerundete Ecken 79">
             <a:extLst>
               <a:ext uri="{FF2B5EF4-FFF2-40B4-BE49-F238E27FC236}">
-                <a16:creationId xmlns:a16="http://schemas.microsoft.com/office/drawing/2014/main" id="{1F7A6840-6E5D-4205-8B1A-1C91907A161B}"/>
+                <a16:creationId xmlns:a16="http://schemas.microsoft.com/office/drawing/2014/main" id="{7985CA8C-B3A9-423B-9099-2A8CDB435F88}"/>
               </a:ext>
             </a:extLst>
           </p:cNvPr>
@@ -3340,8 +2987,8 @@
         </p:nvSpPr>
         <p:spPr>
           <a:xfrm>
-            <a:off x="2274617" y="5209605"/>
-            <a:ext cx="5320257" cy="1274979"/>
+            <a:off x="2226996" y="5290439"/>
+            <a:ext cx="5320256" cy="1274979"/>
           </a:xfrm>
           <a:prstGeom prst="roundRect">
             <a:avLst>
@@ -3373,16 +3020,16 @@
           <a:lstStyle/>
           <a:p>
             <a:pPr algn="ctr"/>
-            <a:endParaRPr lang="de-DE"/>
-          </a:p>
-        </p:txBody>
-      </p:sp>
-      <p:sp>
-        <p:nvSpPr>
-          <p:cNvPr id="67" name="Rechteck: abgerundete Ecken 66">
+            <a:endParaRPr lang="de-DE" sz="2053"/>
+          </a:p>
+        </p:txBody>
+      </p:sp>
+      <p:sp>
+        <p:nvSpPr>
+          <p:cNvPr id="81" name="Rechteck: abgerundete Ecken 80">
             <a:extLst>
               <a:ext uri="{FF2B5EF4-FFF2-40B4-BE49-F238E27FC236}">
-                <a16:creationId xmlns:a16="http://schemas.microsoft.com/office/drawing/2014/main" id="{B1559020-D633-4F92-B6B4-1CC6FB6F0B00}"/>
+                <a16:creationId xmlns:a16="http://schemas.microsoft.com/office/drawing/2014/main" id="{50ED362A-EA8C-49AF-A040-98814C57AD24}"/>
               </a:ext>
             </a:extLst>
           </p:cNvPr>
@@ -3391,8 +3038,8 @@
         </p:nvSpPr>
         <p:spPr>
           <a:xfrm>
-            <a:off x="2283130" y="145279"/>
-            <a:ext cx="5320257" cy="4760007"/>
+            <a:off x="2235510" y="226113"/>
+            <a:ext cx="5320256" cy="4760007"/>
           </a:xfrm>
           <a:prstGeom prst="roundRect">
             <a:avLst>
@@ -3424,16 +3071,16 @@
           <a:lstStyle/>
           <a:p>
             <a:pPr algn="ctr"/>
-            <a:endParaRPr lang="de-DE"/>
-          </a:p>
-        </p:txBody>
-      </p:sp>
-      <p:sp>
-        <p:nvSpPr>
-          <p:cNvPr id="45" name="Textfeld 44">
+            <a:endParaRPr lang="de-DE" sz="2053"/>
+          </a:p>
+        </p:txBody>
+      </p:sp>
+      <p:sp>
+        <p:nvSpPr>
+          <p:cNvPr id="82" name="Textfeld 81">
             <a:extLst>
               <a:ext uri="{FF2B5EF4-FFF2-40B4-BE49-F238E27FC236}">
-                <a16:creationId xmlns:a16="http://schemas.microsoft.com/office/drawing/2014/main" id="{3E8079E5-92C6-4125-9568-CF3478C2F4D7}"/>
+                <a16:creationId xmlns:a16="http://schemas.microsoft.com/office/drawing/2014/main" id="{7F38EA4A-31BA-4504-B99B-ABEC2AD5FE1F}"/>
               </a:ext>
             </a:extLst>
           </p:cNvPr>
@@ -3442,8 +3089,8 @@
         </p:nvSpPr>
         <p:spPr>
           <a:xfrm>
-            <a:off x="4366850" y="2637467"/>
-            <a:ext cx="1361441" cy="1077218"/>
+            <a:off x="4319229" y="2718297"/>
+            <a:ext cx="1361441" cy="1077731"/>
           </a:xfrm>
           <a:prstGeom prst="rect">
             <a:avLst/>
@@ -3474,73 +3121,73 @@
             <a:endParaRPr lang="de-DE" sz="1600" dirty="0"/>
           </a:p>
           <a:p>
-            <a:pPr marL="171450" indent="-171450">
+            <a:pPr marL="171465" indent="-171465">
               <a:buFontTx/>
               <a:buChar char="-"/>
             </a:pPr>
             <a:r>
-              <a:rPr lang="de-DE" sz="1200" dirty="0" err="1"/>
+              <a:rPr lang="de-DE" sz="1201" dirty="0" err="1"/>
               <a:t>resend</a:t>
             </a:r>
             <a:r>
-              <a:rPr lang="de-DE" sz="1200" dirty="0"/>
+              <a:rPr lang="de-DE" sz="1201" dirty="0"/>
               <a:t> </a:t>
             </a:r>
             <a:r>
-              <a:rPr lang="de-DE" sz="1200" dirty="0" err="1"/>
+              <a:rPr lang="de-DE" sz="1201" dirty="0" err="1"/>
               <a:t>string</a:t>
             </a:r>
             <a:r>
-              <a:rPr lang="de-DE" sz="1200" dirty="0"/>
+              <a:rPr lang="de-DE" sz="1201" dirty="0"/>
               <a:t> </a:t>
             </a:r>
             <a:r>
-              <a:rPr lang="de-DE" sz="1200" dirty="0" err="1"/>
+              <a:rPr lang="de-DE" sz="1201" dirty="0" err="1"/>
               <a:t>each</a:t>
             </a:r>
             <a:r>
-              <a:rPr lang="de-DE" sz="1200" dirty="0"/>
+              <a:rPr lang="de-DE" sz="1201" dirty="0"/>
               <a:t> </a:t>
             </a:r>
             <a:r>
-              <a:rPr lang="de-DE" sz="1200" dirty="0" err="1"/>
+              <a:rPr lang="de-DE" sz="1201" dirty="0" err="1"/>
               <a:t>given</a:t>
             </a:r>
             <a:r>
-              <a:rPr lang="de-DE" sz="1200" dirty="0"/>
+              <a:rPr lang="de-DE" sz="1201" dirty="0"/>
               <a:t> time</a:t>
             </a:r>
           </a:p>
           <a:p>
-            <a:pPr marL="171450" indent="-171450">
+            <a:pPr marL="171465" indent="-171465">
               <a:buFontTx/>
               <a:buChar char="-"/>
             </a:pPr>
             <a:r>
-              <a:rPr lang="de-DE" sz="1200" dirty="0" err="1"/>
+              <a:rPr lang="de-DE" sz="1201" dirty="0" err="1"/>
               <a:t>with</a:t>
             </a:r>
             <a:r>
-              <a:rPr lang="de-DE" sz="1200" dirty="0"/>
+              <a:rPr lang="de-DE" sz="1201" dirty="0"/>
               <a:t> </a:t>
             </a:r>
             <a:r>
-              <a:rPr lang="de-DE" sz="1200" dirty="0" err="1"/>
+              <a:rPr lang="de-DE" sz="1201" dirty="0" err="1"/>
               <a:t>alarm</a:t>
             </a:r>
-            <a:endParaRPr lang="de-DE" sz="1200" dirty="0"/>
-          </a:p>
-          <a:p>
-            <a:endParaRPr lang="de-DE" sz="1200" dirty="0"/>
-          </a:p>
-        </p:txBody>
-      </p:sp>
-      <p:sp>
-        <p:nvSpPr>
-          <p:cNvPr id="44" name="Textfeld 43">
+            <a:endParaRPr lang="de-DE" sz="1201" dirty="0"/>
+          </a:p>
+          <a:p>
+            <a:endParaRPr lang="de-DE" sz="1201" dirty="0"/>
+          </a:p>
+        </p:txBody>
+      </p:sp>
+      <p:sp>
+        <p:nvSpPr>
+          <p:cNvPr id="83" name="Textfeld 82">
             <a:extLst>
               <a:ext uri="{FF2B5EF4-FFF2-40B4-BE49-F238E27FC236}">
-                <a16:creationId xmlns:a16="http://schemas.microsoft.com/office/drawing/2014/main" id="{FC530D9D-F513-44DA-9CE4-2E8924D5FACF}"/>
+                <a16:creationId xmlns:a16="http://schemas.microsoft.com/office/drawing/2014/main" id="{000FCA07-EC80-41D0-9470-BFEAB3AF6585}"/>
               </a:ext>
             </a:extLst>
           </p:cNvPr>
@@ -3549,8 +3196,8 @@
         </p:nvSpPr>
         <p:spPr>
           <a:xfrm>
-            <a:off x="4231542" y="2502159"/>
-            <a:ext cx="1361441" cy="1077218"/>
+            <a:off x="4183922" y="2582990"/>
+            <a:ext cx="1361441" cy="1077731"/>
           </a:xfrm>
           <a:prstGeom prst="rect">
             <a:avLst/>
@@ -3581,73 +3228,73 @@
             <a:endParaRPr lang="de-DE" sz="1600" dirty="0"/>
           </a:p>
           <a:p>
-            <a:pPr marL="171450" indent="-171450">
+            <a:pPr marL="171465" indent="-171465">
               <a:buFontTx/>
               <a:buChar char="-"/>
             </a:pPr>
             <a:r>
-              <a:rPr lang="de-DE" sz="1200" dirty="0" err="1"/>
+              <a:rPr lang="de-DE" sz="1201" dirty="0" err="1"/>
               <a:t>resend</a:t>
             </a:r>
             <a:r>
-              <a:rPr lang="de-DE" sz="1200" dirty="0"/>
+              <a:rPr lang="de-DE" sz="1201" dirty="0"/>
               <a:t> </a:t>
             </a:r>
             <a:r>
-              <a:rPr lang="de-DE" sz="1200" dirty="0" err="1"/>
+              <a:rPr lang="de-DE" sz="1201" dirty="0" err="1"/>
               <a:t>string</a:t>
             </a:r>
             <a:r>
-              <a:rPr lang="de-DE" sz="1200" dirty="0"/>
+              <a:rPr lang="de-DE" sz="1201" dirty="0"/>
               <a:t> </a:t>
             </a:r>
             <a:r>
-              <a:rPr lang="de-DE" sz="1200" dirty="0" err="1"/>
+              <a:rPr lang="de-DE" sz="1201" dirty="0" err="1"/>
               <a:t>each</a:t>
             </a:r>
             <a:r>
-              <a:rPr lang="de-DE" sz="1200" dirty="0"/>
+              <a:rPr lang="de-DE" sz="1201" dirty="0"/>
               <a:t> </a:t>
             </a:r>
             <a:r>
-              <a:rPr lang="de-DE" sz="1200" dirty="0" err="1"/>
+              <a:rPr lang="de-DE" sz="1201" dirty="0" err="1"/>
               <a:t>given</a:t>
             </a:r>
             <a:r>
-              <a:rPr lang="de-DE" sz="1200" dirty="0"/>
+              <a:rPr lang="de-DE" sz="1201" dirty="0"/>
               <a:t> time</a:t>
             </a:r>
           </a:p>
           <a:p>
-            <a:pPr marL="171450" indent="-171450">
+            <a:pPr marL="171465" indent="-171465">
               <a:buFontTx/>
               <a:buChar char="-"/>
             </a:pPr>
             <a:r>
-              <a:rPr lang="de-DE" sz="1200" dirty="0" err="1"/>
+              <a:rPr lang="de-DE" sz="1201" dirty="0" err="1"/>
               <a:t>with</a:t>
             </a:r>
             <a:r>
-              <a:rPr lang="de-DE" sz="1200" dirty="0"/>
+              <a:rPr lang="de-DE" sz="1201" dirty="0"/>
               <a:t> </a:t>
             </a:r>
             <a:r>
-              <a:rPr lang="de-DE" sz="1200" dirty="0" err="1"/>
+              <a:rPr lang="de-DE" sz="1201" dirty="0" err="1"/>
               <a:t>alarm</a:t>
             </a:r>
-            <a:endParaRPr lang="de-DE" sz="1200" dirty="0"/>
-          </a:p>
-          <a:p>
-            <a:endParaRPr lang="de-DE" sz="1200" dirty="0"/>
-          </a:p>
-        </p:txBody>
-      </p:sp>
-      <p:sp>
-        <p:nvSpPr>
-          <p:cNvPr id="6" name="Textfeld 5">
+            <a:endParaRPr lang="de-DE" sz="1201" dirty="0"/>
+          </a:p>
+          <a:p>
+            <a:endParaRPr lang="de-DE" sz="1201" dirty="0"/>
+          </a:p>
+        </p:txBody>
+      </p:sp>
+      <p:sp>
+        <p:nvSpPr>
+          <p:cNvPr id="84" name="Textfeld 83">
             <a:extLst>
               <a:ext uri="{FF2B5EF4-FFF2-40B4-BE49-F238E27FC236}">
-                <a16:creationId xmlns:a16="http://schemas.microsoft.com/office/drawing/2014/main" id="{D4E493A3-CC58-4F1F-8688-CAB204428B6A}"/>
+                <a16:creationId xmlns:a16="http://schemas.microsoft.com/office/drawing/2014/main" id="{6EDB206B-FD20-4A75-86C1-ABD96138EB26}"/>
               </a:ext>
             </a:extLst>
           </p:cNvPr>
@@ -3656,8 +3303,8 @@
         </p:nvSpPr>
         <p:spPr>
           <a:xfrm>
-            <a:off x="2468251" y="871368"/>
-            <a:ext cx="1191142" cy="923330"/>
+            <a:off x="2420629" y="952200"/>
+            <a:ext cx="1191142" cy="892937"/>
           </a:xfrm>
           <a:prstGeom prst="rect">
             <a:avLst/>
@@ -3683,53 +3330,53 @@
             </a:r>
           </a:p>
           <a:p>
-            <a:pPr marL="171450" indent="-171450">
+            <a:pPr marL="171465" indent="-171465">
               <a:buFontTx/>
               <a:buChar char="-"/>
             </a:pPr>
             <a:r>
-              <a:rPr lang="de-DE" sz="1200" dirty="0" err="1"/>
+              <a:rPr lang="de-DE" sz="1201" dirty="0" err="1"/>
               <a:t>device</a:t>
             </a:r>
             <a:r>
-              <a:rPr lang="de-DE" sz="1200" dirty="0"/>
+              <a:rPr lang="de-DE" sz="1201" dirty="0"/>
               <a:t> </a:t>
             </a:r>
             <a:r>
-              <a:rPr lang="de-DE" sz="1200" dirty="0" err="1"/>
+              <a:rPr lang="de-DE" sz="1201" dirty="0" err="1"/>
               <a:t>driver</a:t>
             </a:r>
-            <a:endParaRPr lang="de-DE" sz="1200" dirty="0"/>
-          </a:p>
-          <a:p>
-            <a:pPr marL="171450" indent="-171450">
+            <a:endParaRPr lang="de-DE" sz="1201" dirty="0"/>
+          </a:p>
+          <a:p>
+            <a:pPr marL="171465" indent="-171465">
               <a:buFontTx/>
               <a:buChar char="-"/>
             </a:pPr>
             <a:r>
-              <a:rPr lang="de-DE" sz="1200" dirty="0"/>
+              <a:rPr lang="de-DE" sz="1201" dirty="0"/>
               <a:t>RS232</a:t>
             </a:r>
           </a:p>
           <a:p>
-            <a:pPr marL="171450" indent="-171450">
+            <a:pPr marL="171465" indent="-171465">
               <a:buFontTx/>
               <a:buChar char="-"/>
             </a:pPr>
             <a:r>
-              <a:rPr lang="de-DE" sz="1200" dirty="0" err="1"/>
+              <a:rPr lang="de-DE" sz="1201" dirty="0" err="1"/>
               <a:t>PyVISA</a:t>
             </a:r>
-            <a:endParaRPr lang="de-DE" sz="1200" dirty="0"/>
-          </a:p>
-        </p:txBody>
-      </p:sp>
-      <p:sp>
-        <p:nvSpPr>
-          <p:cNvPr id="7" name="Textfeld 6">
+            <a:endParaRPr lang="de-DE" sz="1201" dirty="0"/>
+          </a:p>
+        </p:txBody>
+      </p:sp>
+      <p:sp>
+        <p:nvSpPr>
+          <p:cNvPr id="85" name="Textfeld 84">
             <a:extLst>
               <a:ext uri="{FF2B5EF4-FFF2-40B4-BE49-F238E27FC236}">
-                <a16:creationId xmlns:a16="http://schemas.microsoft.com/office/drawing/2014/main" id="{3BEFBA8C-EBF0-48EA-8288-3EF8566FC4B5}"/>
+                <a16:creationId xmlns:a16="http://schemas.microsoft.com/office/drawing/2014/main" id="{1924657A-16F6-4A2A-B976-1D1C5A1AA6C0}"/>
               </a:ext>
             </a:extLst>
           </p:cNvPr>
@@ -3738,8 +3385,8 @@
         </p:nvSpPr>
         <p:spPr>
           <a:xfrm>
-            <a:off x="4139831" y="872006"/>
-            <a:ext cx="1238193" cy="707886"/>
+            <a:off x="4092211" y="952839"/>
+            <a:ext cx="1238193" cy="708143"/>
           </a:xfrm>
           <a:prstGeom prst="rect">
             <a:avLst/>
@@ -3765,46 +3412,46 @@
             </a:r>
           </a:p>
           <a:p>
-            <a:pPr marL="171450" indent="-171450">
+            <a:pPr marL="171465" indent="-171465">
               <a:buFontTx/>
               <a:buChar char="-"/>
             </a:pPr>
             <a:r>
-              <a:rPr lang="de-DE" sz="1200" dirty="0" err="1"/>
+              <a:rPr lang="de-DE" sz="1201" dirty="0" err="1"/>
               <a:t>holds</a:t>
             </a:r>
             <a:r>
-              <a:rPr lang="de-DE" sz="1200" dirty="0"/>
+              <a:rPr lang="de-DE" sz="1201" dirty="0"/>
               <a:t> AMI135</a:t>
             </a:r>
           </a:p>
           <a:p>
-            <a:pPr marL="171450" indent="-171450">
+            <a:pPr marL="171465" indent="-171465">
               <a:buFontTx/>
               <a:buChar char="-"/>
             </a:pPr>
             <a:r>
-              <a:rPr lang="de-DE" sz="1200" dirty="0" err="1"/>
+              <a:rPr lang="de-DE" sz="1201" dirty="0" err="1"/>
               <a:t>holds</a:t>
             </a:r>
             <a:r>
-              <a:rPr lang="de-DE" sz="1200" dirty="0"/>
+              <a:rPr lang="de-DE" sz="1201" dirty="0"/>
               <a:t> </a:t>
             </a:r>
             <a:r>
-              <a:rPr lang="de-DE" sz="1200" dirty="0" err="1"/>
+              <a:rPr lang="de-DE" sz="1201" dirty="0" err="1"/>
               <a:t>values</a:t>
             </a:r>
-            <a:endParaRPr lang="de-DE" sz="1200" dirty="0"/>
-          </a:p>
-        </p:txBody>
-      </p:sp>
-      <p:sp>
-        <p:nvSpPr>
-          <p:cNvPr id="8" name="Textfeld 7">
+            <a:endParaRPr lang="de-DE" sz="1201" dirty="0"/>
+          </a:p>
+        </p:txBody>
+      </p:sp>
+      <p:sp>
+        <p:nvSpPr>
+          <p:cNvPr id="86" name="Textfeld 85">
             <a:extLst>
               <a:ext uri="{FF2B5EF4-FFF2-40B4-BE49-F238E27FC236}">
-                <a16:creationId xmlns:a16="http://schemas.microsoft.com/office/drawing/2014/main" id="{09976C10-FAC8-4BDB-9093-969CDF8FDAF8}"/>
+                <a16:creationId xmlns:a16="http://schemas.microsoft.com/office/drawing/2014/main" id="{6C6BD10B-E3B8-4F7A-B19F-F41CC67B69B3}"/>
               </a:ext>
             </a:extLst>
           </p:cNvPr>
@@ -3813,8 +3460,8 @@
         </p:nvSpPr>
         <p:spPr>
           <a:xfrm>
-            <a:off x="5863270" y="869849"/>
-            <a:ext cx="1206500" cy="1077218"/>
+            <a:off x="5815646" y="950681"/>
+            <a:ext cx="1206499" cy="1077731"/>
           </a:xfrm>
           <a:prstGeom prst="rect">
             <a:avLst/>
@@ -3840,91 +3487,91 @@
             </a:r>
           </a:p>
           <a:p>
-            <a:pPr marL="171450" indent="-171450">
+            <a:pPr marL="171465" indent="-171465">
               <a:buFontTx/>
               <a:buChar char="-"/>
             </a:pPr>
             <a:r>
-              <a:rPr lang="de-DE" sz="1200" dirty="0" err="1"/>
+              <a:rPr lang="de-DE" sz="1201" dirty="0" err="1"/>
               <a:t>writes</a:t>
             </a:r>
             <a:r>
-              <a:rPr lang="de-DE" sz="1200" dirty="0"/>
+              <a:rPr lang="de-DE" sz="1201" dirty="0"/>
               <a:t> </a:t>
             </a:r>
             <a:r>
-              <a:rPr lang="de-DE" sz="1200" dirty="0" err="1"/>
+              <a:rPr lang="de-DE" sz="1201" dirty="0" err="1"/>
               <a:t>values</a:t>
             </a:r>
             <a:r>
-              <a:rPr lang="de-DE" sz="1200" dirty="0"/>
+              <a:rPr lang="de-DE" sz="1201" dirty="0"/>
               <a:t> </a:t>
             </a:r>
             <a:r>
-              <a:rPr lang="de-DE" sz="1200" dirty="0" err="1"/>
+              <a:rPr lang="de-DE" sz="1201" dirty="0" err="1"/>
               <a:t>to</a:t>
             </a:r>
             <a:r>
-              <a:rPr lang="de-DE" sz="1200" dirty="0"/>
+              <a:rPr lang="de-DE" sz="1201" dirty="0"/>
               <a:t> *.</a:t>
             </a:r>
             <a:r>
-              <a:rPr lang="de-DE" sz="1200" dirty="0" err="1"/>
+              <a:rPr lang="de-DE" sz="1201" dirty="0" err="1"/>
               <a:t>csv</a:t>
             </a:r>
             <a:r>
-              <a:rPr lang="de-DE" sz="1200" dirty="0"/>
+              <a:rPr lang="de-DE" sz="1201" dirty="0"/>
               <a:t> </a:t>
             </a:r>
             <a:r>
-              <a:rPr lang="de-DE" sz="1200" dirty="0" err="1"/>
+              <a:rPr lang="de-DE" sz="1201" dirty="0" err="1"/>
               <a:t>files</a:t>
             </a:r>
-            <a:endParaRPr lang="de-DE" sz="1200" dirty="0"/>
-          </a:p>
-          <a:p>
-            <a:pPr marL="171450" indent="-171450">
+            <a:endParaRPr lang="de-DE" sz="1201" dirty="0"/>
+          </a:p>
+          <a:p>
+            <a:pPr marL="171465" indent="-171465">
               <a:buFontTx/>
               <a:buChar char="-"/>
             </a:pPr>
             <a:r>
-              <a:rPr lang="de-DE" sz="1200" dirty="0" err="1"/>
+              <a:rPr lang="de-DE" sz="1201" dirty="0" err="1"/>
               <a:t>new</a:t>
             </a:r>
             <a:r>
-              <a:rPr lang="de-DE" sz="1200" dirty="0"/>
+              <a:rPr lang="de-DE" sz="1201" dirty="0"/>
               <a:t> </a:t>
             </a:r>
             <a:r>
-              <a:rPr lang="de-DE" sz="1200" dirty="0" err="1"/>
+              <a:rPr lang="de-DE" sz="1201" dirty="0" err="1"/>
               <a:t>file</a:t>
             </a:r>
             <a:r>
-              <a:rPr lang="de-DE" sz="1200" dirty="0"/>
+              <a:rPr lang="de-DE" sz="1201" dirty="0"/>
               <a:t> </a:t>
             </a:r>
             <a:r>
-              <a:rPr lang="de-DE" sz="1200" dirty="0" err="1"/>
+              <a:rPr lang="de-DE" sz="1201" dirty="0" err="1"/>
               <a:t>each</a:t>
             </a:r>
             <a:r>
-              <a:rPr lang="de-DE" sz="1200" dirty="0"/>
+              <a:rPr lang="de-DE" sz="1201" dirty="0"/>
               <a:t> </a:t>
             </a:r>
             <a:r>
-              <a:rPr lang="de-DE" sz="1200" dirty="0" err="1"/>
+              <a:rPr lang="de-DE" sz="1201" dirty="0" err="1"/>
               <a:t>day</a:t>
             </a:r>
-            <a:endParaRPr lang="de-DE" sz="1200" dirty="0"/>
-          </a:p>
-        </p:txBody>
-      </p:sp>
-      <p:sp>
-        <p:nvSpPr>
-          <p:cNvPr id="9" name="Textfeld 8">
+            <a:endParaRPr lang="de-DE" sz="1201" dirty="0"/>
+          </a:p>
+        </p:txBody>
+      </p:sp>
+      <p:sp>
+        <p:nvSpPr>
+          <p:cNvPr id="87" name="Textfeld 86">
             <a:extLst>
               <a:ext uri="{FF2B5EF4-FFF2-40B4-BE49-F238E27FC236}">
-                <a16:creationId xmlns:a16="http://schemas.microsoft.com/office/drawing/2014/main" id="{0CA81E85-004A-4846-9839-4671C889E29D}"/>
+                <a16:creationId xmlns:a16="http://schemas.microsoft.com/office/drawing/2014/main" id="{3BBB7798-BF9E-4ACE-87BD-EEA53D2F5833}"/>
               </a:ext>
             </a:extLst>
           </p:cNvPr>
@@ -3933,8 +3580,8 @@
         </p:nvSpPr>
         <p:spPr>
           <a:xfrm>
-            <a:off x="2736961" y="2869821"/>
-            <a:ext cx="1017286" cy="707886"/>
+            <a:off x="2689339" y="2950652"/>
+            <a:ext cx="1017286" cy="708143"/>
           </a:xfrm>
           <a:prstGeom prst="rect">
             <a:avLst/>
@@ -3965,40 +3612,40 @@
             <a:endParaRPr lang="de-DE" sz="1600" dirty="0"/>
           </a:p>
           <a:p>
-            <a:pPr marL="171450" indent="-171450">
+            <a:pPr marL="171465" indent="-171465">
               <a:buFontTx/>
               <a:buChar char="-"/>
             </a:pPr>
             <a:r>
-              <a:rPr lang="de-DE" sz="1200" dirty="0" err="1"/>
+              <a:rPr lang="de-DE" sz="1201" dirty="0" err="1"/>
               <a:t>answers</a:t>
             </a:r>
             <a:r>
-              <a:rPr lang="de-DE" sz="1200" dirty="0"/>
+              <a:rPr lang="de-DE" sz="1201" dirty="0"/>
               <a:t> </a:t>
             </a:r>
             <a:r>
-              <a:rPr lang="de-DE" sz="1200" dirty="0" err="1"/>
+              <a:rPr lang="de-DE" sz="1201" dirty="0" err="1"/>
               <a:t>with</a:t>
             </a:r>
             <a:r>
-              <a:rPr lang="de-DE" sz="1200" dirty="0"/>
+              <a:rPr lang="de-DE" sz="1201" dirty="0"/>
               <a:t> </a:t>
             </a:r>
             <a:r>
-              <a:rPr lang="de-DE" sz="1200" dirty="0" err="1"/>
+              <a:rPr lang="de-DE" sz="1201" dirty="0" err="1"/>
               <a:t>string</a:t>
             </a:r>
-            <a:endParaRPr lang="de-DE" sz="1200" dirty="0"/>
-          </a:p>
-        </p:txBody>
-      </p:sp>
-      <p:sp>
-        <p:nvSpPr>
-          <p:cNvPr id="10" name="Textfeld 9">
+            <a:endParaRPr lang="de-DE" sz="1201" dirty="0"/>
+          </a:p>
+        </p:txBody>
+      </p:sp>
+      <p:sp>
+        <p:nvSpPr>
+          <p:cNvPr id="88" name="Textfeld 87">
             <a:extLst>
               <a:ext uri="{FF2B5EF4-FFF2-40B4-BE49-F238E27FC236}">
-                <a16:creationId xmlns:a16="http://schemas.microsoft.com/office/drawing/2014/main" id="{44898365-B97C-4F3C-8154-2443308F099A}"/>
+                <a16:creationId xmlns:a16="http://schemas.microsoft.com/office/drawing/2014/main" id="{1D568638-1F74-4BB6-AB4D-29A18971EED1}"/>
               </a:ext>
             </a:extLst>
           </p:cNvPr>
@@ -4007,8 +3654,8 @@
         </p:nvSpPr>
         <p:spPr>
           <a:xfrm>
-            <a:off x="4096234" y="2366851"/>
-            <a:ext cx="1361441" cy="1077218"/>
+            <a:off x="4048613" y="2447681"/>
+            <a:ext cx="1361441" cy="1077731"/>
           </a:xfrm>
           <a:prstGeom prst="rect">
             <a:avLst/>
@@ -4039,73 +3686,73 @@
             <a:endParaRPr lang="de-DE" sz="1600" dirty="0"/>
           </a:p>
           <a:p>
-            <a:pPr marL="171450" indent="-171450">
+            <a:pPr marL="171465" indent="-171465">
               <a:buFontTx/>
               <a:buChar char="-"/>
             </a:pPr>
             <a:r>
-              <a:rPr lang="de-DE" sz="1200" dirty="0" err="1"/>
+              <a:rPr lang="de-DE" sz="1201" dirty="0" err="1"/>
               <a:t>resends</a:t>
             </a:r>
             <a:r>
-              <a:rPr lang="de-DE" sz="1200" dirty="0"/>
+              <a:rPr lang="de-DE" sz="1201" dirty="0"/>
               <a:t> </a:t>
             </a:r>
             <a:r>
-              <a:rPr lang="de-DE" sz="1200" dirty="0" err="1"/>
+              <a:rPr lang="de-DE" sz="1201" dirty="0" err="1"/>
               <a:t>string</a:t>
             </a:r>
             <a:r>
-              <a:rPr lang="de-DE" sz="1200" dirty="0"/>
+              <a:rPr lang="de-DE" sz="1201" dirty="0"/>
               <a:t> </a:t>
             </a:r>
             <a:r>
-              <a:rPr lang="de-DE" sz="1200" dirty="0" err="1"/>
+              <a:rPr lang="de-DE" sz="1201" dirty="0" err="1"/>
               <a:t>each</a:t>
             </a:r>
             <a:r>
-              <a:rPr lang="de-DE" sz="1200" dirty="0"/>
+              <a:rPr lang="de-DE" sz="1201" dirty="0"/>
               <a:t> </a:t>
             </a:r>
             <a:r>
-              <a:rPr lang="de-DE" sz="1200" dirty="0" err="1"/>
+              <a:rPr lang="de-DE" sz="1201" dirty="0" err="1"/>
               <a:t>given</a:t>
             </a:r>
             <a:r>
-              <a:rPr lang="de-DE" sz="1200" dirty="0"/>
+              <a:rPr lang="de-DE" sz="1201" dirty="0"/>
               <a:t> time</a:t>
             </a:r>
           </a:p>
           <a:p>
-            <a:pPr marL="171450" indent="-171450">
+            <a:pPr marL="171465" indent="-171465">
               <a:buFontTx/>
               <a:buChar char="-"/>
             </a:pPr>
             <a:r>
-              <a:rPr lang="de-DE" sz="1200" dirty="0" err="1"/>
+              <a:rPr lang="de-DE" sz="1201" dirty="0" err="1"/>
               <a:t>with</a:t>
             </a:r>
             <a:r>
-              <a:rPr lang="de-DE" sz="1200" dirty="0"/>
+              <a:rPr lang="de-DE" sz="1201" dirty="0"/>
               <a:t> </a:t>
             </a:r>
             <a:r>
-              <a:rPr lang="de-DE" sz="1200" dirty="0" err="1"/>
+              <a:rPr lang="de-DE" sz="1201" dirty="0" err="1"/>
               <a:t>alarm</a:t>
             </a:r>
-            <a:endParaRPr lang="de-DE" sz="1200" dirty="0"/>
-          </a:p>
-          <a:p>
-            <a:endParaRPr lang="de-DE" sz="1200" dirty="0"/>
-          </a:p>
-        </p:txBody>
-      </p:sp>
-      <p:sp>
-        <p:nvSpPr>
-          <p:cNvPr id="11" name="Textfeld 10">
+            <a:endParaRPr lang="de-DE" sz="1201" dirty="0"/>
+          </a:p>
+          <a:p>
+            <a:endParaRPr lang="de-DE" sz="1201" dirty="0"/>
+          </a:p>
+        </p:txBody>
+      </p:sp>
+      <p:sp>
+        <p:nvSpPr>
+          <p:cNvPr id="89" name="Textfeld 88">
             <a:extLst>
               <a:ext uri="{FF2B5EF4-FFF2-40B4-BE49-F238E27FC236}">
-                <a16:creationId xmlns:a16="http://schemas.microsoft.com/office/drawing/2014/main" id="{19668A4E-D0E5-414C-BE3A-391CB248DB78}"/>
+                <a16:creationId xmlns:a16="http://schemas.microsoft.com/office/drawing/2014/main" id="{3EA5C812-0F4B-45DE-8212-2E98555F147B}"/>
               </a:ext>
             </a:extLst>
           </p:cNvPr>
@@ -4114,8 +3761,8 @@
         </p:nvSpPr>
         <p:spPr>
           <a:xfrm>
-            <a:off x="6199586" y="2715234"/>
-            <a:ext cx="1206501" cy="892552"/>
+            <a:off x="6151966" y="2796066"/>
+            <a:ext cx="1206500" cy="892937"/>
           </a:xfrm>
           <a:prstGeom prst="rect">
             <a:avLst/>
@@ -4146,48 +3793,48 @@
             <a:endParaRPr lang="de-DE" sz="1600" dirty="0"/>
           </a:p>
           <a:p>
-            <a:pPr marL="171450" indent="-171450">
+            <a:pPr marL="171465" indent="-171465">
               <a:buFontTx/>
               <a:buChar char="-"/>
             </a:pPr>
             <a:r>
-              <a:rPr lang="de-DE" sz="1200" dirty="0" err="1"/>
+              <a:rPr lang="de-DE" sz="1201" dirty="0" err="1"/>
               <a:t>generates</a:t>
             </a:r>
             <a:r>
-              <a:rPr lang="de-DE" sz="1200" dirty="0"/>
+              <a:rPr lang="de-DE" sz="1201" dirty="0"/>
               <a:t> and send </a:t>
             </a:r>
             <a:r>
-              <a:rPr lang="de-DE" sz="1200" dirty="0" err="1"/>
+              <a:rPr lang="de-DE" sz="1201" dirty="0" err="1"/>
               <a:t>plot</a:t>
             </a:r>
             <a:r>
-              <a:rPr lang="de-DE" sz="1200" dirty="0"/>
+              <a:rPr lang="de-DE" sz="1201" dirty="0"/>
               <a:t> </a:t>
             </a:r>
             <a:r>
-              <a:rPr lang="de-DE" sz="1200" dirty="0" err="1"/>
+              <a:rPr lang="de-DE" sz="1201" dirty="0" err="1"/>
               <a:t>to</a:t>
             </a:r>
             <a:r>
-              <a:rPr lang="de-DE" sz="1200" dirty="0"/>
+              <a:rPr lang="de-DE" sz="1201" dirty="0"/>
               <a:t> </a:t>
             </a:r>
             <a:r>
-              <a:rPr lang="de-DE" sz="1200" dirty="0" err="1"/>
+              <a:rPr lang="de-DE" sz="1201" dirty="0" err="1"/>
               <a:t>telegram</a:t>
             </a:r>
-            <a:endParaRPr lang="de-DE" sz="1200" dirty="0"/>
-          </a:p>
-        </p:txBody>
-      </p:sp>
-      <p:sp>
-        <p:nvSpPr>
-          <p:cNvPr id="12" name="Textfeld 11">
+            <a:endParaRPr lang="de-DE" sz="1201" dirty="0"/>
+          </a:p>
+        </p:txBody>
+      </p:sp>
+      <p:sp>
+        <p:nvSpPr>
+          <p:cNvPr id="90" name="Textfeld 89">
             <a:extLst>
               <a:ext uri="{FF2B5EF4-FFF2-40B4-BE49-F238E27FC236}">
-                <a16:creationId xmlns:a16="http://schemas.microsoft.com/office/drawing/2014/main" id="{08CA339D-CB16-4933-8136-2CFF21AF6CC6}"/>
+                <a16:creationId xmlns:a16="http://schemas.microsoft.com/office/drawing/2014/main" id="{70E18251-F80A-42F8-A902-905F2429B0DF}"/>
               </a:ext>
             </a:extLst>
           </p:cNvPr>
@@ -4196,8 +3843,8 @@
         </p:nvSpPr>
         <p:spPr>
           <a:xfrm>
-            <a:off x="4954848" y="4168840"/>
-            <a:ext cx="1702279" cy="523220"/>
+            <a:off x="4907228" y="4249672"/>
+            <a:ext cx="1702279" cy="523348"/>
           </a:xfrm>
           <a:prstGeom prst="rect">
             <a:avLst/>
@@ -4232,32 +3879,32 @@
             <a:endParaRPr lang="de-DE" sz="1600" dirty="0"/>
           </a:p>
           <a:p>
-            <a:pPr marL="171450" indent="-171450">
+            <a:pPr marL="171465" indent="-171465">
               <a:buFontTx/>
               <a:buChar char="-"/>
             </a:pPr>
             <a:r>
-              <a:rPr lang="de-DE" sz="1200" dirty="0" err="1"/>
+              <a:rPr lang="de-DE" sz="1201" dirty="0" err="1"/>
               <a:t>parses</a:t>
             </a:r>
             <a:r>
-              <a:rPr lang="de-DE" sz="1200" dirty="0"/>
+              <a:rPr lang="de-DE" sz="1201" dirty="0"/>
               <a:t> </a:t>
             </a:r>
             <a:r>
-              <a:rPr lang="de-DE" sz="1200" dirty="0" err="1"/>
+              <a:rPr lang="de-DE" sz="1201" dirty="0" err="1"/>
               <a:t>arguments</a:t>
             </a:r>
-            <a:endParaRPr lang="de-DE" sz="1200" dirty="0"/>
-          </a:p>
-        </p:txBody>
-      </p:sp>
-      <p:sp>
-        <p:nvSpPr>
-          <p:cNvPr id="13" name="Textfeld 12">
+            <a:endParaRPr lang="de-DE" sz="1201" dirty="0"/>
+          </a:p>
+        </p:txBody>
+      </p:sp>
+      <p:sp>
+        <p:nvSpPr>
+          <p:cNvPr id="91" name="Textfeld 90">
             <a:extLst>
               <a:ext uri="{FF2B5EF4-FFF2-40B4-BE49-F238E27FC236}">
-                <a16:creationId xmlns:a16="http://schemas.microsoft.com/office/drawing/2014/main" id="{149EB2F7-5FC2-420D-928C-D35FB8356C68}"/>
+                <a16:creationId xmlns:a16="http://schemas.microsoft.com/office/drawing/2014/main" id="{9B758AA6-1DCE-46E8-B7B8-0231C0ECA15C}"/>
               </a:ext>
             </a:extLst>
           </p:cNvPr>
@@ -4266,7 +3913,7 @@
         </p:nvSpPr>
         <p:spPr>
           <a:xfrm>
-            <a:off x="3703320" y="5647015"/>
+            <a:off x="3655700" y="5727850"/>
             <a:ext cx="2953807" cy="461665"/>
           </a:xfrm>
           <a:prstGeom prst="rect">
@@ -4292,10 +3939,10 @@
       </p:sp>
       <p:pic>
         <p:nvPicPr>
-          <p:cNvPr id="17" name="Grafik 16">
+          <p:cNvPr id="92" name="Grafik 91">
             <a:extLst>
               <a:ext uri="{FF2B5EF4-FFF2-40B4-BE49-F238E27FC236}">
-                <a16:creationId xmlns:a16="http://schemas.microsoft.com/office/drawing/2014/main" id="{296998A1-F531-4679-8966-FDB923DADE70}"/>
+                <a16:creationId xmlns:a16="http://schemas.microsoft.com/office/drawing/2014/main" id="{5AE599FF-28B3-4C27-B806-3689084E29E4}"/>
               </a:ext>
             </a:extLst>
           </p:cNvPr>
@@ -4318,7 +3965,7 @@
         </p:blipFill>
         <p:spPr>
           <a:xfrm>
-            <a:off x="7855971" y="2815559"/>
+            <a:off x="7808347" y="2896390"/>
             <a:ext cx="2686050" cy="3429000"/>
           </a:xfrm>
           <a:prstGeom prst="rect">
@@ -4328,10 +3975,10 @@
       </p:pic>
       <p:pic>
         <p:nvPicPr>
-          <p:cNvPr id="36" name="Grafik 35">
+          <p:cNvPr id="93" name="Grafik 92">
             <a:extLst>
               <a:ext uri="{FF2B5EF4-FFF2-40B4-BE49-F238E27FC236}">
-                <a16:creationId xmlns:a16="http://schemas.microsoft.com/office/drawing/2014/main" id="{F88BB7B7-C611-49C7-BA4E-E8D417B089F3}"/>
+                <a16:creationId xmlns:a16="http://schemas.microsoft.com/office/drawing/2014/main" id="{68A6CB27-47F4-4EF5-9BA5-E03F5E3F42E7}"/>
               </a:ext>
             </a:extLst>
           </p:cNvPr>
@@ -4354,7 +4001,7 @@
         </p:blipFill>
         <p:spPr>
           <a:xfrm>
-            <a:off x="2870912" y="5511134"/>
+            <a:off x="2823292" y="5591971"/>
             <a:ext cx="733425" cy="733425"/>
           </a:xfrm>
           <a:prstGeom prst="rect">
@@ -4364,10 +4011,10 @@
       </p:pic>
       <p:pic>
         <p:nvPicPr>
-          <p:cNvPr id="38" name="Grafik 37">
+          <p:cNvPr id="94" name="Grafik 93">
             <a:extLst>
               <a:ext uri="{FF2B5EF4-FFF2-40B4-BE49-F238E27FC236}">
-                <a16:creationId xmlns:a16="http://schemas.microsoft.com/office/drawing/2014/main" id="{92071839-F812-4E48-A7C6-C3D7BEA877EA}"/>
+                <a16:creationId xmlns:a16="http://schemas.microsoft.com/office/drawing/2014/main" id="{86EF3F11-8914-470F-941C-CE63570C762E}"/>
               </a:ext>
             </a:extLst>
           </p:cNvPr>
@@ -4390,7 +4037,7 @@
         </p:blipFill>
         <p:spPr>
           <a:xfrm>
-            <a:off x="236500" y="1377284"/>
+            <a:off x="188877" y="1458115"/>
             <a:ext cx="1800225" cy="4867275"/>
           </a:xfrm>
           <a:prstGeom prst="rect">
@@ -4400,10 +4047,10 @@
       </p:pic>
       <p:pic>
         <p:nvPicPr>
-          <p:cNvPr id="40" name="Grafik 39">
+          <p:cNvPr id="95" name="Grafik 94">
             <a:extLst>
               <a:ext uri="{FF2B5EF4-FFF2-40B4-BE49-F238E27FC236}">
-                <a16:creationId xmlns:a16="http://schemas.microsoft.com/office/drawing/2014/main" id="{5F06A2D6-55EF-4748-A620-9758D70B3C01}"/>
+                <a16:creationId xmlns:a16="http://schemas.microsoft.com/office/drawing/2014/main" id="{46B4B17D-AEB0-401F-949A-BF6313671B93}"/>
               </a:ext>
             </a:extLst>
           </p:cNvPr>
@@ -4426,7 +4073,7 @@
         </p:blipFill>
         <p:spPr>
           <a:xfrm>
-            <a:off x="8142830" y="611017"/>
+            <a:off x="8095209" y="691853"/>
             <a:ext cx="1800225" cy="2009775"/>
           </a:xfrm>
           <a:prstGeom prst="rect">
@@ -4436,10 +4083,10 @@
       </p:pic>
       <p:sp>
         <p:nvSpPr>
-          <p:cNvPr id="46" name="Pfeil: gebogen 45">
+          <p:cNvPr id="96" name="Pfeil: gebogen 95">
             <a:extLst>
               <a:ext uri="{FF2B5EF4-FFF2-40B4-BE49-F238E27FC236}">
-                <a16:creationId xmlns:a16="http://schemas.microsoft.com/office/drawing/2014/main" id="{ACE139D6-5BED-45BF-AEA6-B45B7CBEC4AF}"/>
+                <a16:creationId xmlns:a16="http://schemas.microsoft.com/office/drawing/2014/main" id="{ACEEE553-1B38-4DA1-A7B3-DF4D4562F0BF}"/>
               </a:ext>
             </a:extLst>
           </p:cNvPr>
@@ -4448,8 +4095,8 @@
         </p:nvSpPr>
         <p:spPr>
           <a:xfrm>
-            <a:off x="1059679" y="927250"/>
-            <a:ext cx="1361521" cy="405783"/>
+            <a:off x="1012056" y="1008080"/>
+            <a:ext cx="1361521" cy="405785"/>
           </a:xfrm>
           <a:prstGeom prst="bentArrow">
             <a:avLst/>
@@ -4476,7 +4123,7 @@
           <a:lstStyle/>
           <a:p>
             <a:pPr algn="ctr"/>
-            <a:endParaRPr lang="de-DE">
+            <a:endParaRPr lang="de-DE" sz="2053">
               <a:solidFill>
                 <a:schemeClr val="tx1"/>
               </a:solidFill>
@@ -4486,10 +4133,10 @@
       </p:sp>
       <p:sp>
         <p:nvSpPr>
-          <p:cNvPr id="47" name="Pfeil: nach rechts 46">
+          <p:cNvPr id="97" name="Pfeil: nach rechts 96">
             <a:extLst>
               <a:ext uri="{FF2B5EF4-FFF2-40B4-BE49-F238E27FC236}">
-                <a16:creationId xmlns:a16="http://schemas.microsoft.com/office/drawing/2014/main" id="{BEC17A39-3669-4D7D-9A66-A738FAD501D9}"/>
+                <a16:creationId xmlns:a16="http://schemas.microsoft.com/office/drawing/2014/main" id="{7D552CB6-E74B-4A49-A0F0-8A82CD208E4B}"/>
               </a:ext>
             </a:extLst>
           </p:cNvPr>
@@ -4498,7 +4145,7 @@
         </p:nvSpPr>
         <p:spPr>
           <a:xfrm>
-            <a:off x="3703320" y="936394"/>
+            <a:off x="3655696" y="1017228"/>
             <a:ext cx="385584" cy="202891"/>
           </a:xfrm>
           <a:prstGeom prst="rightArrow">
@@ -4526,16 +4173,16 @@
           <a:lstStyle/>
           <a:p>
             <a:pPr algn="ctr"/>
-            <a:endParaRPr lang="de-DE"/>
-          </a:p>
-        </p:txBody>
-      </p:sp>
-      <p:sp>
-        <p:nvSpPr>
-          <p:cNvPr id="48" name="Pfeil: nach rechts 47">
+            <a:endParaRPr lang="de-DE" sz="2053"/>
+          </a:p>
+        </p:txBody>
+      </p:sp>
+      <p:sp>
+        <p:nvSpPr>
+          <p:cNvPr id="98" name="Pfeil: nach rechts 97">
             <a:extLst>
               <a:ext uri="{FF2B5EF4-FFF2-40B4-BE49-F238E27FC236}">
-                <a16:creationId xmlns:a16="http://schemas.microsoft.com/office/drawing/2014/main" id="{ADF750D0-47F5-49A3-BDDD-917D40E53A52}"/>
+                <a16:creationId xmlns:a16="http://schemas.microsoft.com/office/drawing/2014/main" id="{76873680-5CBB-46A5-AD13-323B58F9AFFF}"/>
               </a:ext>
             </a:extLst>
           </p:cNvPr>
@@ -4544,7 +4191,7 @@
         </p:nvSpPr>
         <p:spPr>
           <a:xfrm>
-            <a:off x="5420887" y="927250"/>
+            <a:off x="5373264" y="1008084"/>
             <a:ext cx="385584" cy="202891"/>
           </a:xfrm>
           <a:prstGeom prst="rightArrow">
@@ -4572,16 +4219,16 @@
           <a:lstStyle/>
           <a:p>
             <a:pPr algn="ctr"/>
-            <a:endParaRPr lang="de-DE"/>
-          </a:p>
-        </p:txBody>
-      </p:sp>
-      <p:sp>
-        <p:nvSpPr>
-          <p:cNvPr id="50" name="Pfeil: nach rechts 49">
+            <a:endParaRPr lang="de-DE" sz="2053"/>
+          </a:p>
+        </p:txBody>
+      </p:sp>
+      <p:sp>
+        <p:nvSpPr>
+          <p:cNvPr id="99" name="Pfeil: nach rechts 98">
             <a:extLst>
               <a:ext uri="{FF2B5EF4-FFF2-40B4-BE49-F238E27FC236}">
-                <a16:creationId xmlns:a16="http://schemas.microsoft.com/office/drawing/2014/main" id="{1F143525-59C9-4DD6-A029-27EECBC4595E}"/>
+                <a16:creationId xmlns:a16="http://schemas.microsoft.com/office/drawing/2014/main" id="{31237F6D-928B-4BD3-B5A0-C4D2841BC2DE}"/>
               </a:ext>
             </a:extLst>
           </p:cNvPr>
@@ -4590,7 +4237,7 @@
         </p:nvSpPr>
         <p:spPr>
           <a:xfrm>
-            <a:off x="7126569" y="927250"/>
+            <a:off x="7078945" y="1008084"/>
             <a:ext cx="936610" cy="202891"/>
           </a:xfrm>
           <a:prstGeom prst="rightArrow">
@@ -4618,16 +4265,16 @@
           <a:lstStyle/>
           <a:p>
             <a:pPr algn="ctr"/>
-            <a:endParaRPr lang="de-DE"/>
-          </a:p>
-        </p:txBody>
-      </p:sp>
-      <p:sp>
-        <p:nvSpPr>
-          <p:cNvPr id="52" name="Pfeil: gebogen 51">
+            <a:endParaRPr lang="de-DE" sz="2053"/>
+          </a:p>
+        </p:txBody>
+      </p:sp>
+      <p:sp>
+        <p:nvSpPr>
+          <p:cNvPr id="100" name="Pfeil: gebogen 99">
             <a:extLst>
               <a:ext uri="{FF2B5EF4-FFF2-40B4-BE49-F238E27FC236}">
-                <a16:creationId xmlns:a16="http://schemas.microsoft.com/office/drawing/2014/main" id="{8C8771C9-63EB-496E-8E13-3420B1C27342}"/>
+                <a16:creationId xmlns:a16="http://schemas.microsoft.com/office/drawing/2014/main" id="{17FE6E6B-13A0-4066-883F-294C81A7775B}"/>
               </a:ext>
             </a:extLst>
           </p:cNvPr>
@@ -4636,8 +4283,8 @@
         </p:nvSpPr>
         <p:spPr>
           <a:xfrm rot="16200000" flipH="1">
-            <a:off x="7148309" y="1705921"/>
-            <a:ext cx="423692" cy="1406049"/>
+            <a:off x="7100686" y="1786756"/>
+            <a:ext cx="423691" cy="1406048"/>
           </a:xfrm>
           <a:prstGeom prst="bentArrow">
             <a:avLst/>
@@ -4664,7 +4311,7 @@
           <a:lstStyle/>
           <a:p>
             <a:pPr algn="ctr"/>
-            <a:endParaRPr lang="de-DE">
+            <a:endParaRPr lang="de-DE" sz="2053">
               <a:solidFill>
                 <a:schemeClr val="tx1"/>
               </a:solidFill>
@@ -4674,10 +4321,10 @@
       </p:sp>
       <p:sp>
         <p:nvSpPr>
-          <p:cNvPr id="53" name="Pfeil: nach rechts 52">
+          <p:cNvPr id="101" name="Pfeil: nach rechts 100">
             <a:extLst>
               <a:ext uri="{FF2B5EF4-FFF2-40B4-BE49-F238E27FC236}">
-                <a16:creationId xmlns:a16="http://schemas.microsoft.com/office/drawing/2014/main" id="{4B65569D-E615-4754-9AE7-BBBC30D61E25}"/>
+                <a16:creationId xmlns:a16="http://schemas.microsoft.com/office/drawing/2014/main" id="{A1A81196-0A32-4DC6-B3B4-5F9B32CEC437}"/>
               </a:ext>
             </a:extLst>
           </p:cNvPr>
@@ -4686,7 +4333,7 @@
         </p:nvSpPr>
         <p:spPr>
           <a:xfrm rot="5400000">
-            <a:off x="4400948" y="1878453"/>
+            <a:off x="4353327" y="1959287"/>
             <a:ext cx="663007" cy="202891"/>
           </a:xfrm>
           <a:prstGeom prst="rightArrow">
@@ -4714,16 +4361,16 @@
           <a:lstStyle/>
           <a:p>
             <a:pPr algn="ctr"/>
-            <a:endParaRPr lang="de-DE"/>
-          </a:p>
-        </p:txBody>
-      </p:sp>
-      <p:sp>
-        <p:nvSpPr>
-          <p:cNvPr id="57" name="Pfeil: nach rechts 56">
+            <a:endParaRPr lang="de-DE" sz="2053"/>
+          </a:p>
+        </p:txBody>
+      </p:sp>
+      <p:sp>
+        <p:nvSpPr>
+          <p:cNvPr id="102" name="Pfeil: nach rechts 101">
             <a:extLst>
               <a:ext uri="{FF2B5EF4-FFF2-40B4-BE49-F238E27FC236}">
-                <a16:creationId xmlns:a16="http://schemas.microsoft.com/office/drawing/2014/main" id="{4F78031E-478D-45D3-A9CC-BBCC18FCBE23}"/>
+                <a16:creationId xmlns:a16="http://schemas.microsoft.com/office/drawing/2014/main" id="{C575F7DA-FF94-489B-9F5C-37E69D7BD254}"/>
               </a:ext>
             </a:extLst>
           </p:cNvPr>
@@ -4732,8 +4379,8 @@
         </p:nvSpPr>
         <p:spPr>
           <a:xfrm rot="6722091">
-            <a:off x="3313028" y="2107005"/>
-            <a:ext cx="1130558" cy="202891"/>
+            <a:off x="3265406" y="2187839"/>
+            <a:ext cx="1130559" cy="202891"/>
           </a:xfrm>
           <a:prstGeom prst="rightArrow">
             <a:avLst/>
@@ -4760,16 +4407,16 @@
           <a:lstStyle/>
           <a:p>
             <a:pPr algn="ctr"/>
-            <a:endParaRPr lang="de-DE"/>
-          </a:p>
-        </p:txBody>
-      </p:sp>
-      <p:sp>
-        <p:nvSpPr>
-          <p:cNvPr id="58" name="Pfeil: nach oben und unten 57">
+            <a:endParaRPr lang="de-DE" sz="2053"/>
+          </a:p>
+        </p:txBody>
+      </p:sp>
+      <p:sp>
+        <p:nvSpPr>
+          <p:cNvPr id="103" name="Pfeil: nach oben und unten 102">
             <a:extLst>
               <a:ext uri="{FF2B5EF4-FFF2-40B4-BE49-F238E27FC236}">
-                <a16:creationId xmlns:a16="http://schemas.microsoft.com/office/drawing/2014/main" id="{9C34F9E9-6A5A-421E-94D4-C6DEF4C0705C}"/>
+                <a16:creationId xmlns:a16="http://schemas.microsoft.com/office/drawing/2014/main" id="{C99E9F3C-ECF3-4F58-887D-34BAE6B9E61B}"/>
               </a:ext>
             </a:extLst>
           </p:cNvPr>
@@ -4778,7 +4425,7 @@
         </p:nvSpPr>
         <p:spPr>
           <a:xfrm>
-            <a:off x="3199096" y="3943020"/>
+            <a:off x="3151472" y="4023854"/>
             <a:ext cx="206616" cy="1190421"/>
           </a:xfrm>
           <a:prstGeom prst="upDownArrow">
@@ -4806,16 +4453,16 @@
           <a:lstStyle/>
           <a:p>
             <a:pPr algn="ctr"/>
-            <a:endParaRPr lang="de-DE"/>
-          </a:p>
-        </p:txBody>
-      </p:sp>
-      <p:sp>
-        <p:nvSpPr>
-          <p:cNvPr id="59" name="Pfeil: nach oben und unten 58">
+            <a:endParaRPr lang="de-DE" sz="2053"/>
+          </a:p>
+        </p:txBody>
+      </p:sp>
+      <p:sp>
+        <p:nvSpPr>
+          <p:cNvPr id="104" name="Pfeil: nach oben und unten 103">
             <a:extLst>
               <a:ext uri="{FF2B5EF4-FFF2-40B4-BE49-F238E27FC236}">
-                <a16:creationId xmlns:a16="http://schemas.microsoft.com/office/drawing/2014/main" id="{8279B870-B898-4A3D-8F08-1A510A9F007F}"/>
+                <a16:creationId xmlns:a16="http://schemas.microsoft.com/office/drawing/2014/main" id="{3487C8FE-6891-4924-BEC1-CA5F2A812D2C}"/>
               </a:ext>
             </a:extLst>
           </p:cNvPr>
@@ -4824,7 +4471,7 @@
         </p:nvSpPr>
         <p:spPr>
           <a:xfrm>
-            <a:off x="4673646" y="3948997"/>
+            <a:off x="4626021" y="4029832"/>
             <a:ext cx="206616" cy="1190421"/>
           </a:xfrm>
           <a:prstGeom prst="upDownArrow">
@@ -4852,16 +4499,16 @@
           <a:lstStyle/>
           <a:p>
             <a:pPr algn="ctr"/>
-            <a:endParaRPr lang="de-DE"/>
-          </a:p>
-        </p:txBody>
-      </p:sp>
-      <p:sp>
-        <p:nvSpPr>
-          <p:cNvPr id="60" name="Pfeil: nach oben und unten 59">
+            <a:endParaRPr lang="de-DE" sz="2053"/>
+          </a:p>
+        </p:txBody>
+      </p:sp>
+      <p:sp>
+        <p:nvSpPr>
+          <p:cNvPr id="105" name="Pfeil: nach oben und unten 104">
             <a:extLst>
               <a:ext uri="{FF2B5EF4-FFF2-40B4-BE49-F238E27FC236}">
-                <a16:creationId xmlns:a16="http://schemas.microsoft.com/office/drawing/2014/main" id="{BA1B64B3-6C30-403A-9AF9-34A517BD1ECA}"/>
+                <a16:creationId xmlns:a16="http://schemas.microsoft.com/office/drawing/2014/main" id="{9F0E3F3D-713E-4209-B66C-77D98A5CB2A5}"/>
               </a:ext>
             </a:extLst>
           </p:cNvPr>
@@ -4870,7 +4517,7 @@
         </p:nvSpPr>
         <p:spPr>
           <a:xfrm>
-            <a:off x="6720232" y="3915834"/>
+            <a:off x="6672608" y="3996669"/>
             <a:ext cx="206616" cy="1190421"/>
           </a:xfrm>
           <a:prstGeom prst="upDownArrow">
@@ -4898,16 +4545,16 @@
           <a:lstStyle/>
           <a:p>
             <a:pPr algn="ctr"/>
-            <a:endParaRPr lang="de-DE"/>
-          </a:p>
-        </p:txBody>
-      </p:sp>
-      <p:sp>
-        <p:nvSpPr>
-          <p:cNvPr id="68" name="Textfeld 67">
+            <a:endParaRPr lang="de-DE" sz="2053"/>
+          </a:p>
+        </p:txBody>
+      </p:sp>
+      <p:sp>
+        <p:nvSpPr>
+          <p:cNvPr id="106" name="Textfeld 105">
             <a:extLst>
               <a:ext uri="{FF2B5EF4-FFF2-40B4-BE49-F238E27FC236}">
-                <a16:creationId xmlns:a16="http://schemas.microsoft.com/office/drawing/2014/main" id="{6E213D63-8D22-485E-BDAF-F27523E95889}"/>
+                <a16:creationId xmlns:a16="http://schemas.microsoft.com/office/drawing/2014/main" id="{6296CAB9-63AE-49F3-95CC-D13336284021}"/>
               </a:ext>
             </a:extLst>
           </p:cNvPr>
@@ -4916,8 +4563,8 @@
         </p:nvSpPr>
         <p:spPr>
           <a:xfrm>
-            <a:off x="3905428" y="249809"/>
-            <a:ext cx="2190572" cy="372789"/>
+            <a:off x="3857804" y="330645"/>
+            <a:ext cx="2190572" cy="408253"/>
           </a:xfrm>
           <a:prstGeom prst="rect">
             <a:avLst/>
@@ -4932,19 +4579,19 @@
           <a:p>
             <a:pPr algn="ctr"/>
             <a:r>
-              <a:rPr lang="de-DE" dirty="0" err="1"/>
+              <a:rPr lang="de-DE" sz="2053" dirty="0" err="1"/>
               <a:t>HeliumBot</a:t>
             </a:r>
-            <a:endParaRPr lang="de-DE" dirty="0"/>
-          </a:p>
-        </p:txBody>
-      </p:sp>
-      <p:sp>
-        <p:nvSpPr>
-          <p:cNvPr id="70" name="Rechteck: abgerundete Ecken 69">
+            <a:endParaRPr lang="de-DE" sz="2053" dirty="0"/>
+          </a:p>
+        </p:txBody>
+      </p:sp>
+      <p:sp>
+        <p:nvSpPr>
+          <p:cNvPr id="107" name="Rechteck: abgerundete Ecken 106">
             <a:extLst>
               <a:ext uri="{FF2B5EF4-FFF2-40B4-BE49-F238E27FC236}">
-                <a16:creationId xmlns:a16="http://schemas.microsoft.com/office/drawing/2014/main" id="{FEAAF8FD-FF21-4110-AF89-E115EA06831F}"/>
+                <a16:creationId xmlns:a16="http://schemas.microsoft.com/office/drawing/2014/main" id="{F990F81D-3439-4DB0-9D54-32FAD3997270}"/>
               </a:ext>
             </a:extLst>
           </p:cNvPr>
@@ -4953,7 +4600,7 @@
         </p:nvSpPr>
         <p:spPr>
           <a:xfrm>
-            <a:off x="8119978" y="504202"/>
+            <a:off x="8072353" y="585035"/>
             <a:ext cx="1895694" cy="2116590"/>
           </a:xfrm>
           <a:prstGeom prst="roundRect">
@@ -4984,16 +4631,16 @@
           <a:lstStyle/>
           <a:p>
             <a:pPr algn="ctr"/>
-            <a:endParaRPr lang="de-DE"/>
-          </a:p>
-        </p:txBody>
-      </p:sp>
-      <p:sp>
-        <p:nvSpPr>
-          <p:cNvPr id="71" name="Textfeld 70">
+            <a:endParaRPr lang="de-DE" sz="2053"/>
+          </a:p>
+        </p:txBody>
+      </p:sp>
+      <p:sp>
+        <p:nvSpPr>
+          <p:cNvPr id="108" name="Textfeld 107">
             <a:extLst>
               <a:ext uri="{FF2B5EF4-FFF2-40B4-BE49-F238E27FC236}">
-                <a16:creationId xmlns:a16="http://schemas.microsoft.com/office/drawing/2014/main" id="{5A8B2CE8-6DC9-46E3-A302-76BC6279C82A}"/>
+                <a16:creationId xmlns:a16="http://schemas.microsoft.com/office/drawing/2014/main" id="{7877518D-96C4-40E0-9F90-D0E7A3C809CA}"/>
               </a:ext>
             </a:extLst>
           </p:cNvPr>
@@ -5002,7 +4649,7 @@
         </p:nvSpPr>
         <p:spPr>
           <a:xfrm rot="16200000">
-            <a:off x="8708" y="3630442"/>
+            <a:off x="-38914" y="3711274"/>
             <a:ext cx="2181551" cy="461665"/>
           </a:xfrm>
           <a:prstGeom prst="rect">
@@ -5115,23 +4762,6 @@
         <a:font script="Viet" typeface="Times New Roman"/>
         <a:font script="Uigh" typeface="Microsoft Uighur"/>
         <a:font script="Geor" typeface="Sylfaen"/>
-        <a:font script="Armn" typeface="Arial"/>
-        <a:font script="Bugi" typeface="Leelawadee UI"/>
-        <a:font script="Bopo" typeface="Microsoft JhengHei"/>
-        <a:font script="Java" typeface="Javanese Text"/>
-        <a:font script="Lisu" typeface="Segoe UI"/>
-        <a:font script="Mymr" typeface="Myanmar Text"/>
-        <a:font script="Nkoo" typeface="Ebrima"/>
-        <a:font script="Olck" typeface="Nirmala UI"/>
-        <a:font script="Osma" typeface="Ebrima"/>
-        <a:font script="Phag" typeface="Phagspa"/>
-        <a:font script="Syrn" typeface="Estrangelo Edessa"/>
-        <a:font script="Syrj" typeface="Estrangelo Edessa"/>
-        <a:font script="Syre" typeface="Estrangelo Edessa"/>
-        <a:font script="Sora" typeface="Nirmala UI"/>
-        <a:font script="Tale" typeface="Microsoft Tai Le"/>
-        <a:font script="Talu" typeface="Microsoft New Tai Lue"/>
-        <a:font script="Tfng" typeface="Ebrima"/>
       </a:majorFont>
       <a:minorFont>
         <a:latin typeface="Calibri" panose="020F0502020204030204"/>
@@ -5167,23 +4797,6 @@
         <a:font script="Viet" typeface="Arial"/>
         <a:font script="Uigh" typeface="Microsoft Uighur"/>
         <a:font script="Geor" typeface="Sylfaen"/>
-        <a:font script="Armn" typeface="Arial"/>
-        <a:font script="Bugi" typeface="Leelawadee UI"/>
-        <a:font script="Bopo" typeface="Microsoft JhengHei"/>
-        <a:font script="Java" typeface="Javanese Text"/>
-        <a:font script="Lisu" typeface="Segoe UI"/>
-        <a:font script="Mymr" typeface="Myanmar Text"/>
-        <a:font script="Nkoo" typeface="Ebrima"/>
-        <a:font script="Olck" typeface="Nirmala UI"/>
-        <a:font script="Osma" typeface="Ebrima"/>
-        <a:font script="Phag" typeface="Phagspa"/>
-        <a:font script="Syrn" typeface="Estrangelo Edessa"/>
-        <a:font script="Syrj" typeface="Estrangelo Edessa"/>
-        <a:font script="Syre" typeface="Estrangelo Edessa"/>
-        <a:font script="Sora" typeface="Nirmala UI"/>
-        <a:font script="Tale" typeface="Microsoft Tai Le"/>
-        <a:font script="Talu" typeface="Microsoft New Tai Lue"/>
-        <a:font script="Tfng" typeface="Ebrima"/>
       </a:minorFont>
     </a:fontScheme>
     <a:fmtScheme name="Office">
